--- a/capstone-presentation.pptx
+++ b/capstone-presentation.pptx
@@ -4,12 +4,16 @@
   <p:sldMasterIdLst>
     <p:sldMasterId id="2147483648" r:id="rId1"/>
   </p:sldMasterIdLst>
+  <p:notesMasterIdLst>
+    <p:notesMasterId r:id="rId8"/>
+  </p:notesMasterIdLst>
   <p:sldIdLst>
     <p:sldId id="256" r:id="rId2"/>
-    <p:sldId id="257" r:id="rId3"/>
-    <p:sldId id="259" r:id="rId4"/>
-    <p:sldId id="258" r:id="rId5"/>
-    <p:sldId id="260" r:id="rId6"/>
+    <p:sldId id="260" r:id="rId3"/>
+    <p:sldId id="257" r:id="rId4"/>
+    <p:sldId id="259" r:id="rId5"/>
+    <p:sldId id="258" r:id="rId6"/>
+    <p:sldId id="261" r:id="rId7"/>
   </p:sldIdLst>
   <p:sldSz cx="9144000" cy="6858000" type="screen4x3"/>
   <p:notesSz cx="6858000" cy="9144000"/>
@@ -109,6 +113,465 @@
     </a:lvl9pPr>
   </p:defaultTextStyle>
 </p:presentation>
+</file>
+
+<file path=ppt/notesMasters/notesMaster1.xml><?xml version="1.0" encoding="utf-8"?>
+<p:notesMaster xmlns:a="http://schemas.openxmlformats.org/drawingml/2006/main" xmlns:r="http://schemas.openxmlformats.org/officeDocument/2006/relationships" xmlns:p="http://schemas.openxmlformats.org/presentationml/2006/main">
+  <p:cSld>
+    <p:bg>
+      <p:bgRef idx="1001">
+        <a:schemeClr val="bg1"/>
+      </p:bgRef>
+    </p:bg>
+    <p:spTree>
+      <p:nvGrpSpPr>
+        <p:cNvPr id="1" name=""/>
+        <p:cNvGrpSpPr/>
+        <p:nvPr/>
+      </p:nvGrpSpPr>
+      <p:grpSpPr>
+        <a:xfrm>
+          <a:off x="0" y="0"/>
+          <a:ext cx="0" cy="0"/>
+          <a:chOff x="0" y="0"/>
+          <a:chExt cx="0" cy="0"/>
+        </a:xfrm>
+      </p:grpSpPr>
+      <p:sp>
+        <p:nvSpPr>
+          <p:cNvPr id="2" name="Header Placeholder 1"/>
+          <p:cNvSpPr>
+            <a:spLocks noGrp="1"/>
+          </p:cNvSpPr>
+          <p:nvPr>
+            <p:ph type="hdr" sz="quarter"/>
+          </p:nvPr>
+        </p:nvSpPr>
+        <p:spPr>
+          <a:xfrm>
+            <a:off x="0" y="0"/>
+            <a:ext cx="2971800" cy="457200"/>
+          </a:xfrm>
+          <a:prstGeom prst="rect">
+            <a:avLst/>
+          </a:prstGeom>
+        </p:spPr>
+        <p:txBody>
+          <a:bodyPr vert="horz" lIns="91440" tIns="45720" rIns="91440" bIns="45720" rtlCol="0"/>
+          <a:lstStyle>
+            <a:lvl1pPr algn="l">
+              <a:defRPr sz="1200"/>
+            </a:lvl1pPr>
+          </a:lstStyle>
+          <a:p>
+            <a:endParaRPr lang="en-US"/>
+          </a:p>
+        </p:txBody>
+      </p:sp>
+      <p:sp>
+        <p:nvSpPr>
+          <p:cNvPr id="3" name="Date Placeholder 2"/>
+          <p:cNvSpPr>
+            <a:spLocks noGrp="1"/>
+          </p:cNvSpPr>
+          <p:nvPr>
+            <p:ph type="dt" idx="1"/>
+          </p:nvPr>
+        </p:nvSpPr>
+        <p:spPr>
+          <a:xfrm>
+            <a:off x="3884613" y="0"/>
+            <a:ext cx="2971800" cy="457200"/>
+          </a:xfrm>
+          <a:prstGeom prst="rect">
+            <a:avLst/>
+          </a:prstGeom>
+        </p:spPr>
+        <p:txBody>
+          <a:bodyPr vert="horz" lIns="91440" tIns="45720" rIns="91440" bIns="45720" rtlCol="0"/>
+          <a:lstStyle>
+            <a:lvl1pPr algn="r">
+              <a:defRPr sz="1200"/>
+            </a:lvl1pPr>
+          </a:lstStyle>
+          <a:p>
+            <a:fld id="{93A0D62A-D421-4C27-A796-2C2D3B35BA2E}" type="datetimeFigureOut">
+              <a:rPr lang="en-US" smtClean="0"/>
+              <a:t>4/4/2012</a:t>
+            </a:fld>
+            <a:endParaRPr lang="en-US"/>
+          </a:p>
+        </p:txBody>
+      </p:sp>
+      <p:sp>
+        <p:nvSpPr>
+          <p:cNvPr id="4" name="Slide Image Placeholder 3"/>
+          <p:cNvSpPr>
+            <a:spLocks noGrp="1" noRot="1" noChangeAspect="1"/>
+          </p:cNvSpPr>
+          <p:nvPr>
+            <p:ph type="sldImg" idx="2"/>
+          </p:nvPr>
+        </p:nvSpPr>
+        <p:spPr>
+          <a:xfrm>
+            <a:off x="1143000" y="685800"/>
+            <a:ext cx="4572000" cy="3429000"/>
+          </a:xfrm>
+          <a:prstGeom prst="rect">
+            <a:avLst/>
+          </a:prstGeom>
+          <a:noFill/>
+          <a:ln w="12700">
+            <a:solidFill>
+              <a:prstClr val="black"/>
+            </a:solidFill>
+          </a:ln>
+        </p:spPr>
+        <p:txBody>
+          <a:bodyPr vert="horz" lIns="91440" tIns="45720" rIns="91440" bIns="45720" rtlCol="0" anchor="ctr"/>
+          <a:lstStyle/>
+          <a:p>
+            <a:endParaRPr lang="en-US"/>
+          </a:p>
+        </p:txBody>
+      </p:sp>
+      <p:sp>
+        <p:nvSpPr>
+          <p:cNvPr id="5" name="Notes Placeholder 4"/>
+          <p:cNvSpPr>
+            <a:spLocks noGrp="1"/>
+          </p:cNvSpPr>
+          <p:nvPr>
+            <p:ph type="body" sz="quarter" idx="3"/>
+          </p:nvPr>
+        </p:nvSpPr>
+        <p:spPr>
+          <a:xfrm>
+            <a:off x="685800" y="4343400"/>
+            <a:ext cx="5486400" cy="4114800"/>
+          </a:xfrm>
+          <a:prstGeom prst="rect">
+            <a:avLst/>
+          </a:prstGeom>
+        </p:spPr>
+        <p:txBody>
+          <a:bodyPr vert="horz" lIns="91440" tIns="45720" rIns="91440" bIns="45720" rtlCol="0"/>
+          <a:lstStyle/>
+          <a:p>
+            <a:pPr lvl="0"/>
+            <a:r>
+              <a:rPr lang="en-US" smtClean="0"/>
+              <a:t>Click to edit Master text styles</a:t>
+            </a:r>
+          </a:p>
+          <a:p>
+            <a:pPr lvl="1"/>
+            <a:r>
+              <a:rPr lang="en-US" smtClean="0"/>
+              <a:t>Second level</a:t>
+            </a:r>
+          </a:p>
+          <a:p>
+            <a:pPr lvl="2"/>
+            <a:r>
+              <a:rPr lang="en-US" smtClean="0"/>
+              <a:t>Third level</a:t>
+            </a:r>
+          </a:p>
+          <a:p>
+            <a:pPr lvl="3"/>
+            <a:r>
+              <a:rPr lang="en-US" smtClean="0"/>
+              <a:t>Fourth level</a:t>
+            </a:r>
+          </a:p>
+          <a:p>
+            <a:pPr lvl="4"/>
+            <a:r>
+              <a:rPr lang="en-US" smtClean="0"/>
+              <a:t>Fifth level</a:t>
+            </a:r>
+            <a:endParaRPr lang="en-US"/>
+          </a:p>
+        </p:txBody>
+      </p:sp>
+      <p:sp>
+        <p:nvSpPr>
+          <p:cNvPr id="6" name="Footer Placeholder 5"/>
+          <p:cNvSpPr>
+            <a:spLocks noGrp="1"/>
+          </p:cNvSpPr>
+          <p:nvPr>
+            <p:ph type="ftr" sz="quarter" idx="4"/>
+          </p:nvPr>
+        </p:nvSpPr>
+        <p:spPr>
+          <a:xfrm>
+            <a:off x="0" y="8685213"/>
+            <a:ext cx="2971800" cy="457200"/>
+          </a:xfrm>
+          <a:prstGeom prst="rect">
+            <a:avLst/>
+          </a:prstGeom>
+        </p:spPr>
+        <p:txBody>
+          <a:bodyPr vert="horz" lIns="91440" tIns="45720" rIns="91440" bIns="45720" rtlCol="0" anchor="b"/>
+          <a:lstStyle>
+            <a:lvl1pPr algn="l">
+              <a:defRPr sz="1200"/>
+            </a:lvl1pPr>
+          </a:lstStyle>
+          <a:p>
+            <a:endParaRPr lang="en-US"/>
+          </a:p>
+        </p:txBody>
+      </p:sp>
+      <p:sp>
+        <p:nvSpPr>
+          <p:cNvPr id="7" name="Slide Number Placeholder 6"/>
+          <p:cNvSpPr>
+            <a:spLocks noGrp="1"/>
+          </p:cNvSpPr>
+          <p:nvPr>
+            <p:ph type="sldNum" sz="quarter" idx="5"/>
+          </p:nvPr>
+        </p:nvSpPr>
+        <p:spPr>
+          <a:xfrm>
+            <a:off x="3884613" y="8685213"/>
+            <a:ext cx="2971800" cy="457200"/>
+          </a:xfrm>
+          <a:prstGeom prst="rect">
+            <a:avLst/>
+          </a:prstGeom>
+        </p:spPr>
+        <p:txBody>
+          <a:bodyPr vert="horz" lIns="91440" tIns="45720" rIns="91440" bIns="45720" rtlCol="0" anchor="b"/>
+          <a:lstStyle>
+            <a:lvl1pPr algn="r">
+              <a:defRPr sz="1200"/>
+            </a:lvl1pPr>
+          </a:lstStyle>
+          <a:p>
+            <a:fld id="{AF1FD6B2-AAD6-4473-AE3D-C316BAF0C7B9}" type="slidenum">
+              <a:rPr lang="en-US" smtClean="0"/>
+              <a:t>‹#›</a:t>
+            </a:fld>
+            <a:endParaRPr lang="en-US"/>
+          </a:p>
+        </p:txBody>
+      </p:sp>
+    </p:spTree>
+    <p:extLst>
+      <p:ext uri="{BB962C8B-B14F-4D97-AF65-F5344CB8AC3E}">
+        <p14:creationId xmlns:p14="http://schemas.microsoft.com/office/powerpoint/2010/main" val="136463675"/>
+      </p:ext>
+    </p:extLst>
+  </p:cSld>
+  <p:clrMap bg1="lt1" tx1="dk1" bg2="lt2" tx2="dk2" accent1="accent1" accent2="accent2" accent3="accent3" accent4="accent4" accent5="accent5" accent6="accent6" hlink="hlink" folHlink="folHlink"/>
+  <p:notesStyle>
+    <a:lvl1pPr marL="0" algn="l" defTabSz="914400" rtl="0" eaLnBrk="1" latinLnBrk="0" hangingPunct="1">
+      <a:defRPr sz="1200" kern="1200">
+        <a:solidFill>
+          <a:schemeClr val="tx1"/>
+        </a:solidFill>
+        <a:latin typeface="+mn-lt"/>
+        <a:ea typeface="+mn-ea"/>
+        <a:cs typeface="+mn-cs"/>
+      </a:defRPr>
+    </a:lvl1pPr>
+    <a:lvl2pPr marL="457200" algn="l" defTabSz="914400" rtl="0" eaLnBrk="1" latinLnBrk="0" hangingPunct="1">
+      <a:defRPr sz="1200" kern="1200">
+        <a:solidFill>
+          <a:schemeClr val="tx1"/>
+        </a:solidFill>
+        <a:latin typeface="+mn-lt"/>
+        <a:ea typeface="+mn-ea"/>
+        <a:cs typeface="+mn-cs"/>
+      </a:defRPr>
+    </a:lvl2pPr>
+    <a:lvl3pPr marL="914400" algn="l" defTabSz="914400" rtl="0" eaLnBrk="1" latinLnBrk="0" hangingPunct="1">
+      <a:defRPr sz="1200" kern="1200">
+        <a:solidFill>
+          <a:schemeClr val="tx1"/>
+        </a:solidFill>
+        <a:latin typeface="+mn-lt"/>
+        <a:ea typeface="+mn-ea"/>
+        <a:cs typeface="+mn-cs"/>
+      </a:defRPr>
+    </a:lvl3pPr>
+    <a:lvl4pPr marL="1371600" algn="l" defTabSz="914400" rtl="0" eaLnBrk="1" latinLnBrk="0" hangingPunct="1">
+      <a:defRPr sz="1200" kern="1200">
+        <a:solidFill>
+          <a:schemeClr val="tx1"/>
+        </a:solidFill>
+        <a:latin typeface="+mn-lt"/>
+        <a:ea typeface="+mn-ea"/>
+        <a:cs typeface="+mn-cs"/>
+      </a:defRPr>
+    </a:lvl4pPr>
+    <a:lvl5pPr marL="1828800" algn="l" defTabSz="914400" rtl="0" eaLnBrk="1" latinLnBrk="0" hangingPunct="1">
+      <a:defRPr sz="1200" kern="1200">
+        <a:solidFill>
+          <a:schemeClr val="tx1"/>
+        </a:solidFill>
+        <a:latin typeface="+mn-lt"/>
+        <a:ea typeface="+mn-ea"/>
+        <a:cs typeface="+mn-cs"/>
+      </a:defRPr>
+    </a:lvl5pPr>
+    <a:lvl6pPr marL="2286000" algn="l" defTabSz="914400" rtl="0" eaLnBrk="1" latinLnBrk="0" hangingPunct="1">
+      <a:defRPr sz="1200" kern="1200">
+        <a:solidFill>
+          <a:schemeClr val="tx1"/>
+        </a:solidFill>
+        <a:latin typeface="+mn-lt"/>
+        <a:ea typeface="+mn-ea"/>
+        <a:cs typeface="+mn-cs"/>
+      </a:defRPr>
+    </a:lvl6pPr>
+    <a:lvl7pPr marL="2743200" algn="l" defTabSz="914400" rtl="0" eaLnBrk="1" latinLnBrk="0" hangingPunct="1">
+      <a:defRPr sz="1200" kern="1200">
+        <a:solidFill>
+          <a:schemeClr val="tx1"/>
+        </a:solidFill>
+        <a:latin typeface="+mn-lt"/>
+        <a:ea typeface="+mn-ea"/>
+        <a:cs typeface="+mn-cs"/>
+      </a:defRPr>
+    </a:lvl7pPr>
+    <a:lvl8pPr marL="3200400" algn="l" defTabSz="914400" rtl="0" eaLnBrk="1" latinLnBrk="0" hangingPunct="1">
+      <a:defRPr sz="1200" kern="1200">
+        <a:solidFill>
+          <a:schemeClr val="tx1"/>
+        </a:solidFill>
+        <a:latin typeface="+mn-lt"/>
+        <a:ea typeface="+mn-ea"/>
+        <a:cs typeface="+mn-cs"/>
+      </a:defRPr>
+    </a:lvl8pPr>
+    <a:lvl9pPr marL="3657600" algn="l" defTabSz="914400" rtl="0" eaLnBrk="1" latinLnBrk="0" hangingPunct="1">
+      <a:defRPr sz="1200" kern="1200">
+        <a:solidFill>
+          <a:schemeClr val="tx1"/>
+        </a:solidFill>
+        <a:latin typeface="+mn-lt"/>
+        <a:ea typeface="+mn-ea"/>
+        <a:cs typeface="+mn-cs"/>
+      </a:defRPr>
+    </a:lvl9pPr>
+  </p:notesStyle>
+</p:notesMaster>
+</file>
+
+<file path=ppt/notesSlides/notesSlide1.xml><?xml version="1.0" encoding="utf-8"?>
+<p:notes xmlns:a="http://schemas.openxmlformats.org/drawingml/2006/main" xmlns:r="http://schemas.openxmlformats.org/officeDocument/2006/relationships" xmlns:p="http://schemas.openxmlformats.org/presentationml/2006/main">
+  <p:cSld>
+    <p:spTree>
+      <p:nvGrpSpPr>
+        <p:cNvPr id="1" name=""/>
+        <p:cNvGrpSpPr/>
+        <p:nvPr/>
+      </p:nvGrpSpPr>
+      <p:grpSpPr>
+        <a:xfrm>
+          <a:off x="0" y="0"/>
+          <a:ext cx="0" cy="0"/>
+          <a:chOff x="0" y="0"/>
+          <a:chExt cx="0" cy="0"/>
+        </a:xfrm>
+      </p:grpSpPr>
+      <p:sp>
+        <p:nvSpPr>
+          <p:cNvPr id="2" name="Slide Image Placeholder 1"/>
+          <p:cNvSpPr>
+            <a:spLocks noGrp="1" noRot="1" noChangeAspect="1"/>
+          </p:cNvSpPr>
+          <p:nvPr>
+            <p:ph type="sldImg"/>
+          </p:nvPr>
+        </p:nvSpPr>
+        <p:spPr/>
+      </p:sp>
+      <p:sp>
+        <p:nvSpPr>
+          <p:cNvPr id="3" name="Notes Placeholder 2"/>
+          <p:cNvSpPr>
+            <a:spLocks noGrp="1"/>
+          </p:cNvSpPr>
+          <p:nvPr>
+            <p:ph type="body" idx="1"/>
+          </p:nvPr>
+        </p:nvSpPr>
+        <p:spPr/>
+        <p:txBody>
+          <a:bodyPr/>
+          <a:lstStyle/>
+          <a:p>
+            <a:r>
+              <a:rPr lang="en-US" dirty="0" smtClean="0"/>
+              <a:t>UAV – Unmanned</a:t>
+            </a:r>
+            <a:r>
+              <a:rPr lang="en-US" baseline="0" dirty="0" smtClean="0"/>
+              <a:t> Areal Vehicle</a:t>
+            </a:r>
+          </a:p>
+          <a:p>
+            <a:r>
+              <a:rPr lang="en-US" baseline="0" dirty="0" smtClean="0"/>
+              <a:t>Education – Teaching people about fluids stuff</a:t>
+            </a:r>
+          </a:p>
+          <a:p>
+            <a:r>
+              <a:rPr lang="en-US" baseline="0" dirty="0" smtClean="0"/>
+              <a:t>Medical – surgery without cutting open body</a:t>
+            </a:r>
+          </a:p>
+          <a:p>
+            <a:r>
+              <a:rPr lang="en-US" baseline="0" dirty="0" smtClean="0"/>
+              <a:t>Automotive design – car manufacturers</a:t>
+            </a:r>
+          </a:p>
+        </p:txBody>
+      </p:sp>
+      <p:sp>
+        <p:nvSpPr>
+          <p:cNvPr id="4" name="Slide Number Placeholder 3"/>
+          <p:cNvSpPr>
+            <a:spLocks noGrp="1"/>
+          </p:cNvSpPr>
+          <p:nvPr>
+            <p:ph type="sldNum" sz="quarter" idx="10"/>
+          </p:nvPr>
+        </p:nvSpPr>
+        <p:spPr/>
+        <p:txBody>
+          <a:bodyPr/>
+          <a:lstStyle/>
+          <a:p>
+            <a:fld id="{AF1FD6B2-AAD6-4473-AE3D-C316BAF0C7B9}" type="slidenum">
+              <a:rPr lang="en-US" smtClean="0"/>
+              <a:t>3</a:t>
+            </a:fld>
+            <a:endParaRPr lang="en-US"/>
+          </a:p>
+        </p:txBody>
+      </p:sp>
+    </p:spTree>
+    <p:extLst>
+      <p:ext uri="{BB962C8B-B14F-4D97-AF65-F5344CB8AC3E}">
+        <p14:creationId xmlns:p14="http://schemas.microsoft.com/office/powerpoint/2010/main" val="1453936908"/>
+      </p:ext>
+    </p:extLst>
+  </p:cSld>
+  <p:clrMapOvr>
+    <a:masterClrMapping/>
+  </p:clrMapOvr>
+</p:notes>
 </file>
 
 <file path=ppt/slideLayouts/slideLayout1.xml><?xml version="1.0" encoding="utf-8"?>
@@ -4664,7 +5127,7 @@
                             </p:stCondLst>
                             <p:childTnLst>
                               <p:par>
-                                <p:cTn id="11" presetID="2" presetClass="entr" presetSubtype="8" fill="hold" grpId="0" nodeType="clickEffect">
+                                <p:cTn id="11" presetID="1" presetClass="entr" presetSubtype="0" fill="hold" grpId="0" nodeType="clickEffect">
                                   <p:stCondLst>
                                     <p:cond delay="0"/>
                                   </p:stCondLst>
@@ -4687,64 +5150,18 @@
                                         <p:strVal val="visible"/>
                                       </p:to>
                                     </p:set>
-                                    <p:anim calcmode="lin" valueType="num">
-                                      <p:cBhvr additive="base">
-                                        <p:cTn id="13" dur="500" fill="hold"/>
-                                        <p:tgtEl>
-                                          <p:spTgt spid="6"/>
-                                        </p:tgtEl>
-                                        <p:attrNameLst>
-                                          <p:attrName>ppt_x</p:attrName>
-                                        </p:attrNameLst>
-                                      </p:cBhvr>
-                                      <p:tavLst>
-                                        <p:tav tm="0">
-                                          <p:val>
-                                            <p:strVal val="0-#ppt_w/2"/>
-                                          </p:val>
-                                        </p:tav>
-                                        <p:tav tm="100000">
-                                          <p:val>
-                                            <p:strVal val="#ppt_x"/>
-                                          </p:val>
-                                        </p:tav>
-                                      </p:tavLst>
-                                    </p:anim>
-                                    <p:anim calcmode="lin" valueType="num">
-                                      <p:cBhvr additive="base">
-                                        <p:cTn id="14" dur="500" fill="hold"/>
-                                        <p:tgtEl>
-                                          <p:spTgt spid="6"/>
-                                        </p:tgtEl>
-                                        <p:attrNameLst>
-                                          <p:attrName>ppt_y</p:attrName>
-                                        </p:attrNameLst>
-                                      </p:cBhvr>
-                                      <p:tavLst>
-                                        <p:tav tm="0">
-                                          <p:val>
-                                            <p:strVal val="#ppt_y"/>
-                                          </p:val>
-                                        </p:tav>
-                                        <p:tav tm="100000">
-                                          <p:val>
-                                            <p:strVal val="#ppt_y"/>
-                                          </p:val>
-                                        </p:tav>
-                                      </p:tavLst>
-                                    </p:anim>
                                   </p:childTnLst>
                                 </p:cTn>
                               </p:par>
                               <p:par>
-                                <p:cTn id="15" presetID="2" presetClass="entr" presetSubtype="8" fill="hold" grpId="0" nodeType="withEffect">
+                                <p:cTn id="13" presetID="1" presetClass="entr" presetSubtype="0" fill="hold" grpId="0" nodeType="withEffect">
                                   <p:stCondLst>
                                     <p:cond delay="0"/>
                                   </p:stCondLst>
                                   <p:childTnLst>
                                     <p:set>
                                       <p:cBhvr>
-                                        <p:cTn id="16" dur="1" fill="hold">
+                                        <p:cTn id="14" dur="1" fill="hold">
                                           <p:stCondLst>
                                             <p:cond delay="0"/>
                                           </p:stCondLst>
@@ -4760,64 +5177,18 @@
                                         <p:strVal val="visible"/>
                                       </p:to>
                                     </p:set>
-                                    <p:anim calcmode="lin" valueType="num">
-                                      <p:cBhvr additive="base">
-                                        <p:cTn id="17" dur="500" fill="hold"/>
-                                        <p:tgtEl>
-                                          <p:spTgt spid="7"/>
-                                        </p:tgtEl>
-                                        <p:attrNameLst>
-                                          <p:attrName>ppt_x</p:attrName>
-                                        </p:attrNameLst>
-                                      </p:cBhvr>
-                                      <p:tavLst>
-                                        <p:tav tm="0">
-                                          <p:val>
-                                            <p:strVal val="0-#ppt_w/2"/>
-                                          </p:val>
-                                        </p:tav>
-                                        <p:tav tm="100000">
-                                          <p:val>
-                                            <p:strVal val="#ppt_x"/>
-                                          </p:val>
-                                        </p:tav>
-                                      </p:tavLst>
-                                    </p:anim>
-                                    <p:anim calcmode="lin" valueType="num">
-                                      <p:cBhvr additive="base">
-                                        <p:cTn id="18" dur="500" fill="hold"/>
-                                        <p:tgtEl>
-                                          <p:spTgt spid="7"/>
-                                        </p:tgtEl>
-                                        <p:attrNameLst>
-                                          <p:attrName>ppt_y</p:attrName>
-                                        </p:attrNameLst>
-                                      </p:cBhvr>
-                                      <p:tavLst>
-                                        <p:tav tm="0">
-                                          <p:val>
-                                            <p:strVal val="#ppt_y"/>
-                                          </p:val>
-                                        </p:tav>
-                                        <p:tav tm="100000">
-                                          <p:val>
-                                            <p:strVal val="#ppt_y"/>
-                                          </p:val>
-                                        </p:tav>
-                                      </p:tavLst>
-                                    </p:anim>
                                   </p:childTnLst>
                                 </p:cTn>
                               </p:par>
                               <p:par>
-                                <p:cTn id="19" presetID="2" presetClass="entr" presetSubtype="8" fill="hold" grpId="0" nodeType="withEffect">
+                                <p:cTn id="15" presetID="1" presetClass="entr" presetSubtype="0" fill="hold" grpId="0" nodeType="withEffect">
                                   <p:stCondLst>
                                     <p:cond delay="0"/>
                                   </p:stCondLst>
                                   <p:childTnLst>
                                     <p:set>
                                       <p:cBhvr>
-                                        <p:cTn id="20" dur="1" fill="hold">
+                                        <p:cTn id="16" dur="1" fill="hold">
                                           <p:stCondLst>
                                             <p:cond delay="0"/>
                                           </p:stCondLst>
@@ -4833,64 +5204,18 @@
                                         <p:strVal val="visible"/>
                                       </p:to>
                                     </p:set>
-                                    <p:anim calcmode="lin" valueType="num">
-                                      <p:cBhvr additive="base">
-                                        <p:cTn id="21" dur="500" fill="hold"/>
-                                        <p:tgtEl>
-                                          <p:spTgt spid="8"/>
-                                        </p:tgtEl>
-                                        <p:attrNameLst>
-                                          <p:attrName>ppt_x</p:attrName>
-                                        </p:attrNameLst>
-                                      </p:cBhvr>
-                                      <p:tavLst>
-                                        <p:tav tm="0">
-                                          <p:val>
-                                            <p:strVal val="0-#ppt_w/2"/>
-                                          </p:val>
-                                        </p:tav>
-                                        <p:tav tm="100000">
-                                          <p:val>
-                                            <p:strVal val="#ppt_x"/>
-                                          </p:val>
-                                        </p:tav>
-                                      </p:tavLst>
-                                    </p:anim>
-                                    <p:anim calcmode="lin" valueType="num">
-                                      <p:cBhvr additive="base">
-                                        <p:cTn id="22" dur="500" fill="hold"/>
-                                        <p:tgtEl>
-                                          <p:spTgt spid="8"/>
-                                        </p:tgtEl>
-                                        <p:attrNameLst>
-                                          <p:attrName>ppt_y</p:attrName>
-                                        </p:attrNameLst>
-                                      </p:cBhvr>
-                                      <p:tavLst>
-                                        <p:tav tm="0">
-                                          <p:val>
-                                            <p:strVal val="#ppt_y"/>
-                                          </p:val>
-                                        </p:tav>
-                                        <p:tav tm="100000">
-                                          <p:val>
-                                            <p:strVal val="#ppt_y"/>
-                                          </p:val>
-                                        </p:tav>
-                                      </p:tavLst>
-                                    </p:anim>
                                   </p:childTnLst>
                                 </p:cTn>
                               </p:par>
                               <p:par>
-                                <p:cTn id="23" presetID="2" presetClass="entr" presetSubtype="8" fill="hold" grpId="0" nodeType="withEffect">
+                                <p:cTn id="17" presetID="1" presetClass="entr" presetSubtype="0" fill="hold" grpId="0" nodeType="withEffect">
                                   <p:stCondLst>
                                     <p:cond delay="0"/>
                                   </p:stCondLst>
                                   <p:childTnLst>
                                     <p:set>
                                       <p:cBhvr>
-                                        <p:cTn id="24" dur="1" fill="hold">
+                                        <p:cTn id="18" dur="1" fill="hold">
                                           <p:stCondLst>
                                             <p:cond delay="0"/>
                                           </p:stCondLst>
@@ -4906,52 +5231,6 @@
                                         <p:strVal val="visible"/>
                                       </p:to>
                                     </p:set>
-                                    <p:anim calcmode="lin" valueType="num">
-                                      <p:cBhvr additive="base">
-                                        <p:cTn id="25" dur="500" fill="hold"/>
-                                        <p:tgtEl>
-                                          <p:spTgt spid="5"/>
-                                        </p:tgtEl>
-                                        <p:attrNameLst>
-                                          <p:attrName>ppt_x</p:attrName>
-                                        </p:attrNameLst>
-                                      </p:cBhvr>
-                                      <p:tavLst>
-                                        <p:tav tm="0">
-                                          <p:val>
-                                            <p:strVal val="0-#ppt_w/2"/>
-                                          </p:val>
-                                        </p:tav>
-                                        <p:tav tm="100000">
-                                          <p:val>
-                                            <p:strVal val="#ppt_x"/>
-                                          </p:val>
-                                        </p:tav>
-                                      </p:tavLst>
-                                    </p:anim>
-                                    <p:anim calcmode="lin" valueType="num">
-                                      <p:cBhvr additive="base">
-                                        <p:cTn id="26" dur="500" fill="hold"/>
-                                        <p:tgtEl>
-                                          <p:spTgt spid="5"/>
-                                        </p:tgtEl>
-                                        <p:attrNameLst>
-                                          <p:attrName>ppt_y</p:attrName>
-                                        </p:attrNameLst>
-                                      </p:cBhvr>
-                                      <p:tavLst>
-                                        <p:tav tm="0">
-                                          <p:val>
-                                            <p:strVal val="#ppt_y"/>
-                                          </p:val>
-                                        </p:tav>
-                                        <p:tav tm="100000">
-                                          <p:val>
-                                            <p:strVal val="#ppt_y"/>
-                                          </p:val>
-                                        </p:tav>
-                                      </p:tavLst>
-                                    </p:anim>
                                   </p:childTnLst>
                                 </p:cTn>
                               </p:par>
@@ -4994,6 +5273,611 @@
 </file>
 
 <file path=ppt/slides/slide2.xml><?xml version="1.0" encoding="utf-8"?>
+<p:sld xmlns:a="http://schemas.openxmlformats.org/drawingml/2006/main" xmlns:r="http://schemas.openxmlformats.org/officeDocument/2006/relationships" xmlns:p="http://schemas.openxmlformats.org/presentationml/2006/main">
+  <p:cSld>
+    <p:spTree>
+      <p:nvGrpSpPr>
+        <p:cNvPr id="1" name=""/>
+        <p:cNvGrpSpPr/>
+        <p:nvPr/>
+      </p:nvGrpSpPr>
+      <p:grpSpPr>
+        <a:xfrm>
+          <a:off x="0" y="0"/>
+          <a:ext cx="0" cy="0"/>
+          <a:chOff x="0" y="0"/>
+          <a:chExt cx="0" cy="0"/>
+        </a:xfrm>
+      </p:grpSpPr>
+      <p:sp>
+        <p:nvSpPr>
+          <p:cNvPr id="2" name="Title 1"/>
+          <p:cNvSpPr>
+            <a:spLocks noGrp="1"/>
+          </p:cNvSpPr>
+          <p:nvPr>
+            <p:ph type="title"/>
+          </p:nvPr>
+        </p:nvSpPr>
+        <p:spPr/>
+        <p:txBody>
+          <a:bodyPr/>
+          <a:lstStyle/>
+          <a:p>
+            <a:r>
+              <a:rPr lang="en-US" dirty="0" smtClean="0"/>
+              <a:t>Directional Viscosity</a:t>
+            </a:r>
+            <a:endParaRPr lang="en-US" dirty="0"/>
+          </a:p>
+        </p:txBody>
+      </p:sp>
+      <p:grpSp>
+        <p:nvGrpSpPr>
+          <p:cNvPr id="24" name="Group 23"/>
+          <p:cNvGrpSpPr/>
+          <p:nvPr/>
+        </p:nvGrpSpPr>
+        <p:grpSpPr>
+          <a:xfrm>
+            <a:off x="1981200" y="2438400"/>
+            <a:ext cx="5181600" cy="2895600"/>
+            <a:chOff x="2158788" y="2743200"/>
+            <a:chExt cx="5181600" cy="2895600"/>
+          </a:xfrm>
+        </p:grpSpPr>
+        <p:cxnSp>
+          <p:nvCxnSpPr>
+            <p:cNvPr id="5" name="Straight Arrow Connector 4"/>
+            <p:cNvCxnSpPr/>
+            <p:nvPr/>
+          </p:nvCxnSpPr>
+          <p:spPr>
+            <a:xfrm flipH="1">
+              <a:off x="2717801" y="2743200"/>
+              <a:ext cx="2093381" cy="1820333"/>
+            </a:xfrm>
+            <a:prstGeom prst="straightConnector1">
+              <a:avLst/>
+            </a:prstGeom>
+            <a:ln w="28575">
+              <a:prstDash val="dash"/>
+              <a:headEnd type="none"/>
+              <a:tailEnd type="triangle" w="lg" len="lg"/>
+            </a:ln>
+          </p:spPr>
+          <p:style>
+            <a:lnRef idx="1">
+              <a:schemeClr val="accent1"/>
+            </a:lnRef>
+            <a:fillRef idx="0">
+              <a:schemeClr val="accent1"/>
+            </a:fillRef>
+            <a:effectRef idx="0">
+              <a:schemeClr val="accent1"/>
+            </a:effectRef>
+            <a:fontRef idx="minor">
+              <a:schemeClr val="tx1"/>
+            </a:fontRef>
+          </p:style>
+        </p:cxnSp>
+        <p:cxnSp>
+          <p:nvCxnSpPr>
+            <p:cNvPr id="7" name="Straight Arrow Connector 6"/>
+            <p:cNvCxnSpPr/>
+            <p:nvPr/>
+          </p:nvCxnSpPr>
+          <p:spPr>
+            <a:xfrm flipH="1">
+              <a:off x="2192655" y="3886200"/>
+              <a:ext cx="2015490" cy="1752600"/>
+            </a:xfrm>
+            <a:prstGeom prst="straightConnector1">
+              <a:avLst/>
+            </a:prstGeom>
+            <a:ln w="28575">
+              <a:prstDash val="dash"/>
+              <a:headEnd type="none"/>
+              <a:tailEnd type="triangle" w="lg" len="lg"/>
+            </a:ln>
+          </p:spPr>
+          <p:style>
+            <a:lnRef idx="1">
+              <a:schemeClr val="accent1"/>
+            </a:lnRef>
+            <a:fillRef idx="0">
+              <a:schemeClr val="accent1"/>
+            </a:fillRef>
+            <a:effectRef idx="0">
+              <a:schemeClr val="accent1"/>
+            </a:effectRef>
+            <a:fontRef idx="minor">
+              <a:schemeClr val="tx1"/>
+            </a:fontRef>
+          </p:style>
+        </p:cxnSp>
+        <p:cxnSp>
+          <p:nvCxnSpPr>
+            <p:cNvPr id="8" name="Straight Arrow Connector 7"/>
+            <p:cNvCxnSpPr/>
+            <p:nvPr/>
+          </p:nvCxnSpPr>
+          <p:spPr>
+            <a:xfrm flipH="1">
+              <a:off x="3756024" y="3352800"/>
+              <a:ext cx="1752600" cy="1524000"/>
+            </a:xfrm>
+            <a:prstGeom prst="straightConnector1">
+              <a:avLst/>
+            </a:prstGeom>
+            <a:ln w="28575">
+              <a:prstDash val="dash"/>
+              <a:headEnd type="none"/>
+              <a:tailEnd type="triangle" w="lg" len="lg"/>
+            </a:ln>
+          </p:spPr>
+          <p:style>
+            <a:lnRef idx="1">
+              <a:schemeClr val="accent1"/>
+            </a:lnRef>
+            <a:fillRef idx="0">
+              <a:schemeClr val="accent1"/>
+            </a:fillRef>
+            <a:effectRef idx="0">
+              <a:schemeClr val="accent1"/>
+            </a:effectRef>
+            <a:fontRef idx="minor">
+              <a:schemeClr val="tx1"/>
+            </a:fontRef>
+          </p:style>
+        </p:cxnSp>
+        <p:grpSp>
+          <p:nvGrpSpPr>
+            <p:cNvPr id="23" name="Group 22"/>
+            <p:cNvGrpSpPr/>
+            <p:nvPr/>
+          </p:nvGrpSpPr>
+          <p:grpSpPr>
+            <a:xfrm>
+              <a:off x="2158788" y="3551447"/>
+              <a:ext cx="5181600" cy="1779990"/>
+              <a:chOff x="2819400" y="3472921"/>
+              <a:chExt cx="3276600" cy="1125582"/>
+            </a:xfrm>
+          </p:grpSpPr>
+          <p:cxnSp>
+            <p:nvCxnSpPr>
+              <p:cNvPr id="17" name="Straight Arrow Connector 16"/>
+              <p:cNvCxnSpPr/>
+              <p:nvPr/>
+            </p:nvCxnSpPr>
+            <p:spPr>
+              <a:xfrm>
+                <a:off x="2819400" y="3505200"/>
+                <a:ext cx="3276600" cy="0"/>
+              </a:xfrm>
+              <a:prstGeom prst="straightConnector1">
+                <a:avLst/>
+              </a:prstGeom>
+              <a:ln>
+                <a:headEnd type="triangle"/>
+                <a:tailEnd type="triangle"/>
+              </a:ln>
+            </p:spPr>
+            <p:style>
+              <a:lnRef idx="1">
+                <a:schemeClr val="accent1"/>
+              </a:lnRef>
+              <a:fillRef idx="0">
+                <a:schemeClr val="accent1"/>
+              </a:fillRef>
+              <a:effectRef idx="0">
+                <a:schemeClr val="accent1"/>
+              </a:effectRef>
+              <a:fontRef idx="minor">
+                <a:schemeClr val="tx1"/>
+              </a:fontRef>
+            </p:style>
+          </p:cxnSp>
+          <p:sp>
+            <p:nvSpPr>
+              <p:cNvPr id="18" name="Oval 17"/>
+              <p:cNvSpPr/>
+              <p:nvPr/>
+            </p:nvSpPr>
+            <p:spPr>
+              <a:xfrm flipV="1">
+                <a:off x="4425421" y="3472921"/>
+                <a:ext cx="64558" cy="64558"/>
+              </a:xfrm>
+              <a:prstGeom prst="ellipse">
+                <a:avLst/>
+              </a:prstGeom>
+              <a:solidFill>
+                <a:schemeClr val="accent1"/>
+              </a:solidFill>
+              <a:ln>
+                <a:noFill/>
+              </a:ln>
+            </p:spPr>
+            <p:style>
+              <a:lnRef idx="2">
+                <a:schemeClr val="accent1">
+                  <a:shade val="50000"/>
+                </a:schemeClr>
+              </a:lnRef>
+              <a:fillRef idx="1">
+                <a:schemeClr val="accent1"/>
+              </a:fillRef>
+              <a:effectRef idx="0">
+                <a:schemeClr val="accent1"/>
+              </a:effectRef>
+              <a:fontRef idx="minor">
+                <a:schemeClr val="lt1"/>
+              </a:fontRef>
+            </p:style>
+            <p:txBody>
+              <a:bodyPr rtlCol="0" anchor="ctr"/>
+              <a:lstStyle/>
+              <a:p>
+                <a:pPr algn="ctr"/>
+                <a:endParaRPr lang="en-US"/>
+              </a:p>
+            </p:txBody>
+          </p:sp>
+          <p:cxnSp>
+            <p:nvCxnSpPr>
+              <p:cNvPr id="21" name="Straight Arrow Connector 20"/>
+              <p:cNvCxnSpPr/>
+              <p:nvPr/>
+            </p:nvCxnSpPr>
+            <p:spPr>
+              <a:xfrm flipH="1">
+                <a:off x="3200400" y="3505199"/>
+                <a:ext cx="1257300" cy="1093304"/>
+              </a:xfrm>
+              <a:prstGeom prst="straightConnector1">
+                <a:avLst/>
+              </a:prstGeom>
+              <a:ln w="19050" cmpd="sng">
+                <a:prstDash val="solid"/>
+                <a:headEnd type="none"/>
+                <a:tailEnd type="triangle" w="med" len="med"/>
+              </a:ln>
+            </p:spPr>
+            <p:style>
+              <a:lnRef idx="1">
+                <a:schemeClr val="accent1"/>
+              </a:lnRef>
+              <a:fillRef idx="0">
+                <a:schemeClr val="accent1"/>
+              </a:fillRef>
+              <a:effectRef idx="0">
+                <a:schemeClr val="accent1"/>
+              </a:effectRef>
+              <a:fontRef idx="minor">
+                <a:schemeClr val="tx1"/>
+              </a:fontRef>
+            </p:style>
+          </p:cxnSp>
+        </p:grpSp>
+      </p:grpSp>
+      <p:sp>
+        <p:nvSpPr>
+          <p:cNvPr id="25" name="TextBox 24"/>
+          <p:cNvSpPr txBox="1"/>
+          <p:nvPr/>
+        </p:nvSpPr>
+        <p:spPr>
+          <a:xfrm>
+            <a:off x="5638800" y="1371600"/>
+            <a:ext cx="2667000" cy="369332"/>
+          </a:xfrm>
+          <a:prstGeom prst="rect">
+            <a:avLst/>
+          </a:prstGeom>
+          <a:noFill/>
+        </p:spPr>
+        <p:txBody>
+          <a:bodyPr wrap="square" rtlCol="0">
+            <a:spAutoFit/>
+          </a:bodyPr>
+          <a:lstStyle/>
+          <a:p>
+            <a:endParaRPr lang="en-US" b="1" dirty="0"/>
+          </a:p>
+        </p:txBody>
+      </p:sp>
+      <mc:AlternateContent xmlns:mc="http://schemas.openxmlformats.org/markup-compatibility/2006">
+        <mc:Choice xmlns:a14="http://schemas.microsoft.com/office/drawing/2010/main" Requires="a14">
+          <p:sp>
+            <p:nvSpPr>
+              <p:cNvPr id="26" name="TextBox 25"/>
+              <p:cNvSpPr txBox="1"/>
+              <p:nvPr/>
+            </p:nvSpPr>
+            <p:spPr>
+              <a:xfrm>
+                <a:off x="2773216" y="2983468"/>
+                <a:ext cx="805220" cy="369332"/>
+              </a:xfrm>
+              <a:prstGeom prst="rect">
+                <a:avLst/>
+              </a:prstGeom>
+              <a:noFill/>
+            </p:spPr>
+            <p:txBody>
+              <a:bodyPr wrap="none" rtlCol="0">
+                <a:spAutoFit/>
+              </a:bodyPr>
+              <a:lstStyle/>
+              <a:p>
+                <a14:m>
+                  <m:oMathPara xmlns:m="http://schemas.openxmlformats.org/officeDocument/2006/math">
+                    <m:oMathParaPr>
+                      <m:jc m:val="centerGroup"/>
+                    </m:oMathParaPr>
+                    <m:oMath xmlns:m="http://schemas.openxmlformats.org/officeDocument/2006/math">
+                      <m:r>
+                        <a:rPr lang="en-US" b="0" i="1" smtClean="0">
+                          <a:latin typeface="Cambria Math"/>
+                        </a:rPr>
+                        <m:t>𝑑</m:t>
+                      </m:r>
+                      <m:r>
+                        <a:rPr lang="en-US" b="0" i="1" smtClean="0">
+                          <a:latin typeface="Cambria Math"/>
+                        </a:rPr>
+                        <m:t>−</m:t>
+                      </m:r>
+                      <m:r>
+                        <a:rPr lang="en-US" b="0" i="1" smtClean="0">
+                          <a:latin typeface="Cambria Math"/>
+                        </a:rPr>
+                        <m:t>𝑣</m:t>
+                      </m:r>
+                    </m:oMath>
+                  </m:oMathPara>
+                </a14:m>
+                <a:endParaRPr lang="en-US" dirty="0"/>
+              </a:p>
+            </p:txBody>
+          </p:sp>
+        </mc:Choice>
+        <mc:Fallback>
+          <p:sp>
+            <p:nvSpPr>
+              <p:cNvPr id="26" name="TextBox 25"/>
+              <p:cNvSpPr txBox="1">
+                <a:spLocks noRot="1" noChangeAspect="1" noMove="1" noResize="1" noEditPoints="1" noAdjustHandles="1" noChangeArrowheads="1" noChangeShapeType="1" noTextEdit="1"/>
+              </p:cNvSpPr>
+              <p:nvPr/>
+            </p:nvSpPr>
+            <p:spPr>
+              <a:xfrm>
+                <a:off x="2773216" y="2983468"/>
+                <a:ext cx="805220" cy="369332"/>
+              </a:xfrm>
+              <a:prstGeom prst="rect">
+                <a:avLst/>
+              </a:prstGeom>
+              <a:blipFill rotWithShape="1">
+                <a:blip r:embed="rId2"/>
+                <a:stretch>
+                  <a:fillRect/>
+                </a:stretch>
+              </a:blipFill>
+            </p:spPr>
+            <p:txBody>
+              <a:bodyPr/>
+              <a:lstStyle/>
+              <a:p>
+                <a:r>
+                  <a:rPr lang="en-US">
+                    <a:noFill/>
+                  </a:rPr>
+                  <a:t> </a:t>
+                </a:r>
+              </a:p>
+            </p:txBody>
+          </p:sp>
+        </mc:Fallback>
+      </mc:AlternateContent>
+      <mc:AlternateContent xmlns:mc="http://schemas.openxmlformats.org/markup-compatibility/2006">
+        <mc:Choice xmlns:a14="http://schemas.microsoft.com/office/drawing/2010/main" Requires="a14">
+          <p:sp>
+            <p:nvSpPr>
+              <p:cNvPr id="27" name="TextBox 26"/>
+              <p:cNvSpPr txBox="1"/>
+              <p:nvPr/>
+            </p:nvSpPr>
+            <p:spPr>
+              <a:xfrm>
+                <a:off x="5715000" y="2972618"/>
+                <a:ext cx="369332" cy="369332"/>
+              </a:xfrm>
+              <a:prstGeom prst="rect">
+                <a:avLst/>
+              </a:prstGeom>
+              <a:noFill/>
+            </p:spPr>
+            <p:txBody>
+              <a:bodyPr wrap="none" rtlCol="0">
+                <a:spAutoFit/>
+              </a:bodyPr>
+              <a:lstStyle/>
+              <a:p>
+                <a14:m>
+                  <m:oMathPara xmlns:m="http://schemas.openxmlformats.org/officeDocument/2006/math">
+                    <m:oMathParaPr>
+                      <m:jc m:val="centerGroup"/>
+                    </m:oMathParaPr>
+                    <m:oMath xmlns:m="http://schemas.openxmlformats.org/officeDocument/2006/math">
+                      <m:r>
+                        <a:rPr lang="en-US" b="0" i="1" smtClean="0">
+                          <a:latin typeface="Cambria Math"/>
+                        </a:rPr>
+                        <m:t>𝑣</m:t>
+                      </m:r>
+                    </m:oMath>
+                  </m:oMathPara>
+                </a14:m>
+                <a:endParaRPr lang="en-US" dirty="0"/>
+              </a:p>
+            </p:txBody>
+          </p:sp>
+        </mc:Choice>
+        <mc:Fallback>
+          <p:sp>
+            <p:nvSpPr>
+              <p:cNvPr id="27" name="TextBox 26"/>
+              <p:cNvSpPr txBox="1">
+                <a:spLocks noRot="1" noChangeAspect="1" noMove="1" noResize="1" noEditPoints="1" noAdjustHandles="1" noChangeArrowheads="1" noChangeShapeType="1" noTextEdit="1"/>
+              </p:cNvSpPr>
+              <p:nvPr/>
+            </p:nvSpPr>
+            <p:spPr>
+              <a:xfrm>
+                <a:off x="5715000" y="2972618"/>
+                <a:ext cx="369332" cy="369332"/>
+              </a:xfrm>
+              <a:prstGeom prst="rect">
+                <a:avLst/>
+              </a:prstGeom>
+              <a:blipFill rotWithShape="1">
+                <a:blip r:embed="rId3"/>
+                <a:stretch>
+                  <a:fillRect/>
+                </a:stretch>
+              </a:blipFill>
+            </p:spPr>
+            <p:txBody>
+              <a:bodyPr/>
+              <a:lstStyle/>
+              <a:p>
+                <a:r>
+                  <a:rPr lang="en-US">
+                    <a:noFill/>
+                  </a:rPr>
+                  <a:t> </a:t>
+                </a:r>
+              </a:p>
+            </p:txBody>
+          </p:sp>
+        </mc:Fallback>
+      </mc:AlternateContent>
+      <mc:AlternateContent xmlns:mc="http://schemas.openxmlformats.org/markup-compatibility/2006">
+        <mc:Choice xmlns:a14="http://schemas.microsoft.com/office/drawing/2010/main" Requires="a14">
+          <p:sp>
+            <p:nvSpPr>
+              <p:cNvPr id="28" name="TextBox 27"/>
+              <p:cNvSpPr txBox="1"/>
+              <p:nvPr/>
+            </p:nvSpPr>
+            <p:spPr>
+              <a:xfrm>
+                <a:off x="3505200" y="4074067"/>
+                <a:ext cx="377924" cy="369332"/>
+              </a:xfrm>
+              <a:prstGeom prst="rect">
+                <a:avLst/>
+              </a:prstGeom>
+              <a:noFill/>
+            </p:spPr>
+            <p:txBody>
+              <a:bodyPr wrap="none" rtlCol="0">
+                <a:spAutoFit/>
+              </a:bodyPr>
+              <a:lstStyle/>
+              <a:p>
+                <a14:m>
+                  <m:oMathPara xmlns:m="http://schemas.openxmlformats.org/officeDocument/2006/math">
+                    <m:oMathParaPr>
+                      <m:jc m:val="centerGroup"/>
+                    </m:oMathParaPr>
+                    <m:oMath xmlns:m="http://schemas.openxmlformats.org/officeDocument/2006/math">
+                      <m:r>
+                        <a:rPr lang="en-US" b="0" i="1" smtClean="0">
+                          <a:latin typeface="Cambria Math"/>
+                        </a:rPr>
+                        <m:t>𝑑</m:t>
+                      </m:r>
+                    </m:oMath>
+                  </m:oMathPara>
+                </a14:m>
+                <a:endParaRPr lang="en-US" dirty="0"/>
+              </a:p>
+            </p:txBody>
+          </p:sp>
+        </mc:Choice>
+        <mc:Fallback>
+          <p:sp>
+            <p:nvSpPr>
+              <p:cNvPr id="28" name="TextBox 27"/>
+              <p:cNvSpPr txBox="1">
+                <a:spLocks noRot="1" noChangeAspect="1" noMove="1" noResize="1" noEditPoints="1" noAdjustHandles="1" noChangeArrowheads="1" noChangeShapeType="1" noTextEdit="1"/>
+              </p:cNvSpPr>
+              <p:nvPr/>
+            </p:nvSpPr>
+            <p:spPr>
+              <a:xfrm>
+                <a:off x="3505200" y="4074067"/>
+                <a:ext cx="377924" cy="369332"/>
+              </a:xfrm>
+              <a:prstGeom prst="rect">
+                <a:avLst/>
+              </a:prstGeom>
+              <a:blipFill rotWithShape="1">
+                <a:blip r:embed="rId4"/>
+                <a:stretch>
+                  <a:fillRect/>
+                </a:stretch>
+              </a:blipFill>
+            </p:spPr>
+            <p:txBody>
+              <a:bodyPr/>
+              <a:lstStyle/>
+              <a:p>
+                <a:r>
+                  <a:rPr lang="en-US">
+                    <a:noFill/>
+                  </a:rPr>
+                  <a:t> </a:t>
+                </a:r>
+              </a:p>
+            </p:txBody>
+          </p:sp>
+        </mc:Fallback>
+      </mc:AlternateContent>
+    </p:spTree>
+    <p:extLst>
+      <p:ext uri="{BB962C8B-B14F-4D97-AF65-F5344CB8AC3E}">
+        <p14:creationId xmlns:p14="http://schemas.microsoft.com/office/powerpoint/2010/main" val="321363670"/>
+      </p:ext>
+    </p:extLst>
+  </p:cSld>
+  <p:clrMapOvr>
+    <a:masterClrMapping/>
+  </p:clrMapOvr>
+  <mc:AlternateContent xmlns:mc="http://schemas.openxmlformats.org/markup-compatibility/2006">
+    <mc:Choice xmlns:p14="http://schemas.microsoft.com/office/powerpoint/2010/main" Requires="p14">
+      <p:transition p14:dur="10"/>
+    </mc:Choice>
+    <mc:Fallback>
+      <p:transition/>
+    </mc:Fallback>
+  </mc:AlternateContent>
+  <p:timing>
+    <p:tnLst>
+      <p:par>
+        <p:cTn id="1" dur="indefinite" restart="never" nodeType="tmRoot"/>
+      </p:par>
+    </p:tnLst>
+  </p:timing>
+</p:sld>
+</file>
+
+<file path=ppt/slides/slide3.xml><?xml version="1.0" encoding="utf-8"?>
 <p:sld xmlns:a="http://schemas.openxmlformats.org/drawingml/2006/main" xmlns:r="http://schemas.openxmlformats.org/officeDocument/2006/relationships" xmlns:p="http://schemas.openxmlformats.org/presentationml/2006/main">
   <p:cSld>
     <p:spTree>
@@ -5914,7 +6798,7 @@
 </p:sld>
 </file>
 
-<file path=ppt/slides/slide3.xml><?xml version="1.0" encoding="utf-8"?>
+<file path=ppt/slides/slide4.xml><?xml version="1.0" encoding="utf-8"?>
 <p:sld xmlns:a="http://schemas.openxmlformats.org/drawingml/2006/main" xmlns:r="http://schemas.openxmlformats.org/officeDocument/2006/relationships" xmlns:p="http://schemas.openxmlformats.org/presentationml/2006/main">
   <p:cSld>
     <p:spTree>
@@ -6309,7 +7193,7 @@
 </p:sld>
 </file>
 
-<file path=ppt/slides/slide4.xml><?xml version="1.0" encoding="utf-8"?>
+<file path=ppt/slides/slide5.xml><?xml version="1.0" encoding="utf-8"?>
 <p:sld xmlns:a="http://schemas.openxmlformats.org/drawingml/2006/main" xmlns:r="http://schemas.openxmlformats.org/officeDocument/2006/relationships" xmlns:p="http://schemas.openxmlformats.org/presentationml/2006/main">
   <p:cSld>
     <p:spTree>
@@ -6326,122 +7210,29 @@
           <a:chExt cx="0" cy="0"/>
         </a:xfrm>
       </p:grpSpPr>
-      <p:sp>
-        <p:nvSpPr>
-          <p:cNvPr id="12" name="Oval 11"/>
-          <p:cNvSpPr/>
-          <p:nvPr/>
-        </p:nvSpPr>
-        <p:spPr>
-          <a:xfrm>
-            <a:off x="3175000" y="1524000"/>
-            <a:ext cx="2971800" cy="2971800"/>
-          </a:xfrm>
-          <a:prstGeom prst="ellipse">
-            <a:avLst/>
-          </a:prstGeom>
-          <a:solidFill>
-            <a:srgbClr val="12121C">
-              <a:alpha val="98000"/>
-            </a:srgbClr>
-          </a:solidFill>
-          <a:ln>
-            <a:noFill/>
-          </a:ln>
-        </p:spPr>
-        <p:style>
-          <a:lnRef idx="2">
-            <a:schemeClr val="accent1">
-              <a:shade val="50000"/>
-            </a:schemeClr>
-          </a:lnRef>
-          <a:fillRef idx="1">
-            <a:schemeClr val="accent1"/>
-          </a:fillRef>
-          <a:effectRef idx="0">
-            <a:schemeClr val="accent1"/>
-          </a:effectRef>
-          <a:fontRef idx="minor">
-            <a:schemeClr val="lt1"/>
-          </a:fontRef>
-        </p:style>
-        <p:txBody>
-          <a:bodyPr rtlCol="0" anchor="ctr"/>
-          <a:lstStyle/>
-          <a:p>
-            <a:pPr algn="ctr"/>
-            <a:endParaRPr lang="en-US"/>
-          </a:p>
-        </p:txBody>
-      </p:sp>
-      <p:sp>
-        <p:nvSpPr>
-          <p:cNvPr id="7" name="TextBox 6"/>
-          <p:cNvSpPr txBox="1"/>
-          <p:nvPr/>
-        </p:nvSpPr>
-        <p:spPr>
-          <a:xfrm>
-            <a:off x="3536950" y="2560247"/>
-            <a:ext cx="2298700" cy="707886"/>
-          </a:xfrm>
-          <a:prstGeom prst="rect">
-            <a:avLst/>
-          </a:prstGeom>
-          <a:noFill/>
-        </p:spPr>
-        <p:txBody>
-          <a:bodyPr wrap="square" rtlCol="0">
-            <a:spAutoFit/>
-          </a:bodyPr>
-          <a:lstStyle/>
-          <a:p>
-            <a:pPr algn="ctr"/>
-            <a:r>
-              <a:rPr lang="en-US" sz="4000" dirty="0" smtClean="0">
-                <a:effectLst>
-                  <a:glow rad="63500">
-                    <a:srgbClr val="504B6D"/>
-                  </a:glow>
-                  <a:reflection blurRad="6350" stA="55000" endA="300" endPos="45500" dir="5400000" sy="-100000" algn="bl" rotWithShape="0"/>
-                </a:effectLst>
-              </a:rPr>
-              <a:t>Education</a:t>
-            </a:r>
-            <a:endParaRPr lang="en-US" sz="4000" dirty="0">
-              <a:effectLst>
-                <a:glow rad="63500">
-                  <a:srgbClr val="504B6D"/>
-                </a:glow>
-                <a:reflection blurRad="6350" stA="55000" endA="300" endPos="45500" dir="5400000" sy="-100000" algn="bl" rotWithShape="0"/>
-              </a:effectLst>
-            </a:endParaRPr>
-          </a:p>
-        </p:txBody>
-      </p:sp>
       <p:grpSp>
         <p:nvGrpSpPr>
-          <p:cNvPr id="15" name="Group 14"/>
+          <p:cNvPr id="3" name="Group 2"/>
           <p:cNvGrpSpPr/>
           <p:nvPr/>
         </p:nvGrpSpPr>
         <p:grpSpPr>
           <a:xfrm>
-            <a:off x="1943100" y="3268133"/>
+            <a:off x="3175000" y="1524000"/>
             <a:ext cx="2971800" cy="2971800"/>
-            <a:chOff x="1943100" y="3268133"/>
+            <a:chOff x="3175000" y="1524000"/>
             <a:chExt cx="2971800" cy="2971800"/>
           </a:xfrm>
         </p:grpSpPr>
         <p:sp>
           <p:nvSpPr>
-            <p:cNvPr id="5" name="Oval 4"/>
+            <p:cNvPr id="12" name="Oval 11"/>
             <p:cNvSpPr/>
             <p:nvPr/>
           </p:nvSpPr>
           <p:spPr>
             <a:xfrm>
-              <a:off x="1943100" y="3268133"/>
+              <a:off x="3175000" y="1524000"/>
               <a:ext cx="2971800" cy="2971800"/>
             </a:xfrm>
             <a:prstGeom prst="ellipse">
@@ -6483,26 +7274,19 @@
         </p:sp>
         <p:sp>
           <p:nvSpPr>
-            <p:cNvPr id="9" name="TextBox 8"/>
+            <p:cNvPr id="7" name="TextBox 6"/>
             <p:cNvSpPr txBox="1"/>
             <p:nvPr/>
           </p:nvSpPr>
           <p:spPr>
             <a:xfrm>
-              <a:off x="2438400" y="4321314"/>
-              <a:ext cx="2057400" cy="707886"/>
+              <a:off x="3536950" y="2560247"/>
+              <a:ext cx="2298700" cy="707886"/>
             </a:xfrm>
             <a:prstGeom prst="rect">
               <a:avLst/>
             </a:prstGeom>
             <a:noFill/>
-            <a:effectLst>
-              <a:glow rad="63500">
-                <a:srgbClr val="505178">
-                  <a:alpha val="5000"/>
-                </a:srgbClr>
-              </a:glow>
-            </a:effectLst>
           </p:spPr>
           <p:txBody>
             <a:bodyPr wrap="square" rtlCol="0">
@@ -6515,21 +7299,17 @@
                 <a:rPr lang="en-US" sz="4000" dirty="0" smtClean="0">
                   <a:effectLst>
                     <a:glow rad="63500">
-                      <a:srgbClr val="504B6D">
-                        <a:alpha val="81000"/>
-                      </a:srgbClr>
+                      <a:srgbClr val="504B6D"/>
                     </a:glow>
                     <a:reflection blurRad="6350" stA="55000" endA="300" endPos="45500" dir="5400000" sy="-100000" algn="bl" rotWithShape="0"/>
                   </a:effectLst>
                 </a:rPr>
-                <a:t>Design</a:t>
+                <a:t>Education</a:t>
               </a:r>
               <a:endParaRPr lang="en-US" sz="4000" dirty="0">
                 <a:effectLst>
                   <a:glow rad="63500">
-                    <a:srgbClr val="504B6D">
-                      <a:alpha val="81000"/>
-                    </a:srgbClr>
+                    <a:srgbClr val="504B6D"/>
                   </a:glow>
                   <a:reflection blurRad="6350" stA="55000" endA="300" endPos="45500" dir="5400000" sy="-100000" algn="bl" rotWithShape="0"/>
                 </a:effectLst>
@@ -6648,24 +7428,105 @@
       </p:grpSp>
       <p:sp>
         <p:nvSpPr>
-          <p:cNvPr id="2" name="Title 1"/>
-          <p:cNvSpPr>
-            <a:spLocks noGrp="1"/>
-          </p:cNvSpPr>
-          <p:nvPr>
-            <p:ph type="title"/>
-          </p:nvPr>
+          <p:cNvPr id="5" name="Oval 4"/>
+          <p:cNvSpPr/>
+          <p:nvPr/>
         </p:nvSpPr>
-        <p:spPr/>
+        <p:spPr>
+          <a:xfrm>
+            <a:off x="1943100" y="3268133"/>
+            <a:ext cx="2971800" cy="2971800"/>
+          </a:xfrm>
+          <a:prstGeom prst="ellipse">
+            <a:avLst/>
+          </a:prstGeom>
+          <a:solidFill>
+            <a:srgbClr val="12121C">
+              <a:alpha val="98000"/>
+            </a:srgbClr>
+          </a:solidFill>
+          <a:ln>
+            <a:noFill/>
+          </a:ln>
+        </p:spPr>
+        <p:style>
+          <a:lnRef idx="2">
+            <a:schemeClr val="accent1">
+              <a:shade val="50000"/>
+            </a:schemeClr>
+          </a:lnRef>
+          <a:fillRef idx="1">
+            <a:schemeClr val="accent1"/>
+          </a:fillRef>
+          <a:effectRef idx="0">
+            <a:schemeClr val="accent1"/>
+          </a:effectRef>
+          <a:fontRef idx="minor">
+            <a:schemeClr val="lt1"/>
+          </a:fontRef>
+        </p:style>
         <p:txBody>
-          <a:bodyPr/>
+          <a:bodyPr rtlCol="0" anchor="ctr"/>
           <a:lstStyle/>
           <a:p>
+            <a:pPr algn="ctr"/>
+            <a:endParaRPr lang="en-US" u="sng" dirty="0"/>
+          </a:p>
+        </p:txBody>
+      </p:sp>
+      <p:sp>
+        <p:nvSpPr>
+          <p:cNvPr id="9" name="TextBox 8"/>
+          <p:cNvSpPr txBox="1"/>
+          <p:nvPr/>
+        </p:nvSpPr>
+        <p:spPr>
+          <a:xfrm>
+            <a:off x="2438400" y="4321314"/>
+            <a:ext cx="2057400" cy="707886"/>
+          </a:xfrm>
+          <a:prstGeom prst="rect">
+            <a:avLst/>
+          </a:prstGeom>
+          <a:noFill/>
+          <a:effectLst>
+            <a:glow rad="63500">
+              <a:srgbClr val="505178">
+                <a:alpha val="5000"/>
+              </a:srgbClr>
+            </a:glow>
+          </a:effectLst>
+        </p:spPr>
+        <p:txBody>
+          <a:bodyPr wrap="square" rtlCol="0">
+            <a:spAutoFit/>
+          </a:bodyPr>
+          <a:lstStyle/>
+          <a:p>
+            <a:pPr algn="ctr"/>
             <a:r>
-              <a:rPr lang="en-US" dirty="0" smtClean="0"/>
-              <a:t>Applications</a:t>
+              <a:rPr lang="en-US" sz="4000" dirty="0" smtClean="0">
+                <a:effectLst>
+                  <a:glow rad="63500">
+                    <a:srgbClr val="504B6D">
+                      <a:alpha val="81000"/>
+                    </a:srgbClr>
+                  </a:glow>
+                  <a:reflection blurRad="6350" stA="55000" endA="300" endPos="45500" dir="5400000" sy="-100000" algn="bl" rotWithShape="0"/>
+                </a:effectLst>
+              </a:rPr>
+              <a:t>Design</a:t>
             </a:r>
-            <a:endParaRPr lang="en-US" dirty="0"/>
+            <a:endParaRPr lang="en-US" sz="4000" dirty="0">
+              <a:effectLst>
+                <a:glow rad="63500">
+                  <a:srgbClr val="504B6D">
+                    <a:alpha val="81000"/>
+                  </a:srgbClr>
+                </a:glow>
+                <a:reflection blurRad="6350" stA="55000" endA="300" endPos="45500" dir="5400000" sy="-100000" algn="bl" rotWithShape="0"/>
+              </a:effectLst>
+            </a:endParaRPr>
           </a:p>
         </p:txBody>
       </p:sp>
@@ -6700,127 +7561,72 @@
                             </p:stCondLst>
                             <p:childTnLst>
                               <p:par>
-                                <p:cTn id="5" presetID="10" presetClass="entr" presetSubtype="0" fill="hold" grpId="0" nodeType="clickEffect">
+                                <p:cTn id="5" presetID="37" presetClass="path" presetSubtype="0" accel="50000" decel="50000" fill="hold" nodeType="clickEffect">
                                   <p:stCondLst>
                                     <p:cond delay="0"/>
                                   </p:stCondLst>
                                   <p:childTnLst>
-                                    <p:set>
+                                    <p:animMotion origin="layout" path="M -0.00659 0.00856 L 0.07466 -0.06389 C 0.0915 -0.07917 0.11823 -0.09745 0.14705 -0.11435 C 0.17952 -0.1338 0.20677 -0.14676 0.22674 -0.15278 L 0.32153 -0.18403 " pathEditMode="relative" rAng="-1423224" ptsTypes="FffFF">
                                       <p:cBhvr>
-                                        <p:cTn id="6" dur="1" fill="hold">
-                                          <p:stCondLst>
-                                            <p:cond delay="0"/>
-                                          </p:stCondLst>
-                                        </p:cTn>
+                                        <p:cTn id="6" dur="1000" fill="hold"/>
                                         <p:tgtEl>
-                                          <p:spTgt spid="2"/>
+                                          <p:spTgt spid="3"/>
                                         </p:tgtEl>
                                         <p:attrNameLst>
-                                          <p:attrName>style.visibility</p:attrName>
+                                          <p:attrName>ppt_x</p:attrName>
+                                          <p:attrName>ppt_y</p:attrName>
                                         </p:attrNameLst>
                                       </p:cBhvr>
-                                      <p:to>
-                                        <p:strVal val="visible"/>
-                                      </p:to>
-                                    </p:set>
-                                    <p:animEffect transition="in" filter="fade">
-                                      <p:cBhvr>
-                                        <p:cTn id="7" dur="2000"/>
-                                        <p:tgtEl>
-                                          <p:spTgt spid="2"/>
-                                        </p:tgtEl>
-                                      </p:cBhvr>
-                                    </p:animEffect>
+                                      <p:rCtr x="15937" y="-11019"/>
+                                    </p:animMotion>
                                   </p:childTnLst>
                                 </p:cTn>
                               </p:par>
-                            </p:childTnLst>
-                          </p:cTn>
-                        </p:par>
-                      </p:childTnLst>
-                    </p:cTn>
-                  </p:par>
-                  <p:par>
-                    <p:cTn id="8" fill="hold">
-                      <p:stCondLst>
-                        <p:cond delay="indefinite"/>
-                      </p:stCondLst>
-                      <p:childTnLst>
-                        <p:par>
-                          <p:cTn id="9" fill="hold">
-                            <p:stCondLst>
-                              <p:cond delay="0"/>
-                            </p:stCondLst>
-                            <p:childTnLst>
                               <p:par>
-                                <p:cTn id="10" presetID="42" presetClass="exit" presetSubtype="0" fill="hold" nodeType="clickEffect">
+                                <p:cTn id="7" presetID="37" presetClass="path" presetSubtype="0" accel="50000" decel="50000" fill="hold" nodeType="withEffect">
+                                  <p:stCondLst>
+                                    <p:cond delay="0"/>
+                                  </p:stCondLst>
+                                  <p:childTnLst>
+                                    <p:animMotion origin="layout" path="M -2.22222E-6 2.59259E-6 L 0.08924 -0.01482 C 0.10764 -0.01875 0.13472 -0.01667 0.1625 -0.01088 C 0.19427 -0.00417 0.2191 0.00463 0.23611 0.01597 L 0.31754 0.06666 " pathEditMode="relative" rAng="538804" ptsTypes="FffFF">
+                                      <p:cBhvr>
+                                        <p:cTn id="8" dur="1000" fill="hold"/>
+                                        <p:tgtEl>
+                                          <p:spTgt spid="16"/>
+                                        </p:tgtEl>
+                                        <p:attrNameLst>
+                                          <p:attrName>ppt_x</p:attrName>
+                                          <p:attrName>ppt_y</p:attrName>
+                                        </p:attrNameLst>
+                                      </p:cBhvr>
+                                      <p:rCtr x="16128" y="1134"/>
+                                    </p:animMotion>
+                                  </p:childTnLst>
+                                </p:cTn>
+                              </p:par>
+                              <p:par>
+                                <p:cTn id="9" presetID="10" presetClass="exit" presetSubtype="0" fill="hold" nodeType="withEffect">
                                   <p:stCondLst>
                                     <p:cond delay="0"/>
                                   </p:stCondLst>
                                   <p:childTnLst>
                                     <p:animEffect transition="out" filter="fade">
                                       <p:cBhvr>
-                                        <p:cTn id="11" dur="500"/>
+                                        <p:cTn id="10" dur="500"/>
                                         <p:tgtEl>
-                                          <p:spTgt spid="15"/>
+                                          <p:spTgt spid="3"/>
                                         </p:tgtEl>
                                       </p:cBhvr>
                                     </p:animEffect>
-                                    <p:anim calcmode="lin" valueType="num">
-                                      <p:cBhvr>
-                                        <p:cTn id="12" dur="500"/>
-                                        <p:tgtEl>
-                                          <p:spTgt spid="15"/>
-                                        </p:tgtEl>
-                                        <p:attrNameLst>
-                                          <p:attrName>ppt_x</p:attrName>
-                                        </p:attrNameLst>
-                                      </p:cBhvr>
-                                      <p:tavLst>
-                                        <p:tav tm="0">
-                                          <p:val>
-                                            <p:strVal val="ppt_x"/>
-                                          </p:val>
-                                        </p:tav>
-                                        <p:tav tm="100000">
-                                          <p:val>
-                                            <p:strVal val="ppt_x"/>
-                                          </p:val>
-                                        </p:tav>
-                                      </p:tavLst>
-                                    </p:anim>
-                                    <p:anim calcmode="lin" valueType="num">
-                                      <p:cBhvr>
-                                        <p:cTn id="13" dur="500"/>
-                                        <p:tgtEl>
-                                          <p:spTgt spid="15"/>
-                                        </p:tgtEl>
-                                        <p:attrNameLst>
-                                          <p:attrName>ppt_y</p:attrName>
-                                        </p:attrNameLst>
-                                      </p:cBhvr>
-                                      <p:tavLst>
-                                        <p:tav tm="0">
-                                          <p:val>
-                                            <p:strVal val="ppt_y"/>
-                                          </p:val>
-                                        </p:tav>
-                                        <p:tav tm="100000">
-                                          <p:val>
-                                            <p:strVal val="ppt_y+.1"/>
-                                          </p:val>
-                                        </p:tav>
-                                      </p:tavLst>
-                                    </p:anim>
                                     <p:set>
                                       <p:cBhvr>
-                                        <p:cTn id="14" dur="1" fill="hold">
+                                        <p:cTn id="11" dur="1" fill="hold">
                                           <p:stCondLst>
                                             <p:cond delay="499"/>
                                           </p:stCondLst>
                                         </p:cTn>
                                         <p:tgtEl>
-                                          <p:spTgt spid="15"/>
+                                          <p:spTgt spid="3"/>
                                         </p:tgtEl>
                                         <p:attrNameLst>
                                           <p:attrName>style.visibility</p:attrName>
@@ -6834,68 +7640,22 @@
                                 </p:cTn>
                               </p:par>
                               <p:par>
-                                <p:cTn id="15" presetID="42" presetClass="exit" presetSubtype="0" fill="hold" nodeType="withEffect">
+                                <p:cTn id="12" presetID="10" presetClass="exit" presetSubtype="0" fill="hold" nodeType="withEffect">
                                   <p:stCondLst>
                                     <p:cond delay="0"/>
                                   </p:stCondLst>
                                   <p:childTnLst>
                                     <p:animEffect transition="out" filter="fade">
                                       <p:cBhvr>
-                                        <p:cTn id="16" dur="500"/>
+                                        <p:cTn id="13" dur="500"/>
                                         <p:tgtEl>
                                           <p:spTgt spid="16"/>
                                         </p:tgtEl>
                                       </p:cBhvr>
                                     </p:animEffect>
-                                    <p:anim calcmode="lin" valueType="num">
-                                      <p:cBhvr>
-                                        <p:cTn id="17" dur="500"/>
-                                        <p:tgtEl>
-                                          <p:spTgt spid="16"/>
-                                        </p:tgtEl>
-                                        <p:attrNameLst>
-                                          <p:attrName>ppt_x</p:attrName>
-                                        </p:attrNameLst>
-                                      </p:cBhvr>
-                                      <p:tavLst>
-                                        <p:tav tm="0">
-                                          <p:val>
-                                            <p:strVal val="ppt_x"/>
-                                          </p:val>
-                                        </p:tav>
-                                        <p:tav tm="100000">
-                                          <p:val>
-                                            <p:strVal val="ppt_x"/>
-                                          </p:val>
-                                        </p:tav>
-                                      </p:tavLst>
-                                    </p:anim>
-                                    <p:anim calcmode="lin" valueType="num">
-                                      <p:cBhvr>
-                                        <p:cTn id="18" dur="500"/>
-                                        <p:tgtEl>
-                                          <p:spTgt spid="16"/>
-                                        </p:tgtEl>
-                                        <p:attrNameLst>
-                                          <p:attrName>ppt_y</p:attrName>
-                                        </p:attrNameLst>
-                                      </p:cBhvr>
-                                      <p:tavLst>
-                                        <p:tav tm="0">
-                                          <p:val>
-                                            <p:strVal val="ppt_y"/>
-                                          </p:val>
-                                        </p:tav>
-                                        <p:tav tm="100000">
-                                          <p:val>
-                                            <p:strVal val="ppt_y+.1"/>
-                                          </p:val>
-                                        </p:tav>
-                                      </p:tavLst>
-                                    </p:anim>
                                     <p:set>
                                       <p:cBhvr>
-                                        <p:cTn id="19" dur="1" fill="hold">
+                                        <p:cTn id="14" dur="1" fill="hold">
                                           <p:stCondLst>
                                             <p:cond delay="499"/>
                                           </p:stCondLst>
@@ -6915,120 +7675,41 @@
                                 </p:cTn>
                               </p:par>
                               <p:par>
-                                <p:cTn id="20" presetID="6" presetClass="emph" presetSubtype="0" fill="hold" grpId="0" nodeType="withEffect">
+                                <p:cTn id="15" presetID="6" presetClass="emph" presetSubtype="0" fill="hold" grpId="0" nodeType="withEffect">
                                   <p:stCondLst>
                                     <p:cond delay="0"/>
                                   </p:stCondLst>
                                   <p:childTnLst>
                                     <p:animScale>
                                       <p:cBhvr>
-                                        <p:cTn id="21" dur="1000" fill="hold"/>
+                                        <p:cTn id="16" dur="500" fill="hold"/>
                                         <p:tgtEl>
-                                          <p:spTgt spid="12"/>
+                                          <p:spTgt spid="5"/>
                                         </p:tgtEl>
                                       </p:cBhvr>
-                                      <p:by x="400000" y="400000"/>
+                                      <p:by x="600000" y="600000"/>
                                     </p:animScale>
                                   </p:childTnLst>
                                 </p:cTn>
                               </p:par>
                               <p:par>
-                                <p:cTn id="22" presetID="37" presetClass="path" presetSubtype="0" accel="50000" decel="50000" fill="hold" nodeType="withEffect">
+                                <p:cTn id="17" presetID="37" presetClass="path" presetSubtype="0" accel="50000" decel="50000" fill="hold" grpId="0" nodeType="withEffect">
                                   <p:stCondLst>
                                     <p:cond delay="0"/>
                                   </p:stCondLst>
                                   <p:childTnLst>
-                                    <p:animMotion origin="layout" path="M 0.0033 0.01273 L -0.08663 0.00764 C -0.10556 0.00602 -0.13142 0.01273 -0.15677 0.02523 C -0.18594 0.03958 -0.20764 0.05625 -0.22118 0.07407 L -0.28681 0.15602 " pathEditMode="relative" rAng="-1218268" ptsTypes="FffFF">
+                                    <p:animMotion origin="layout" path="M 3.33333E-6 2.96296E-6 L 0.04896 -0.05116 C 0.0592 -0.06158 0.07083 -0.08056 0.08021 -0.10255 C 0.09097 -0.12755 0.09687 -0.14931 0.09861 -0.1669 L 0.10729 -0.25 " pathEditMode="relative" rAng="-3613474" ptsTypes="FffFF">
                                       <p:cBhvr>
-                                        <p:cTn id="23" dur="2000" fill="hold"/>
+                                        <p:cTn id="18" dur="1000" fill="hold"/>
                                         <p:tgtEl>
-                                          <p:spTgt spid="15"/>
+                                          <p:spTgt spid="9"/>
                                         </p:tgtEl>
                                         <p:attrNameLst>
                                           <p:attrName>ppt_x</p:attrName>
                                           <p:attrName>ppt_y</p:attrName>
                                         </p:attrNameLst>
                                       </p:cBhvr>
-                                      <p:rCtr x="-15313" y="4236"/>
-                                    </p:animMotion>
-                                  </p:childTnLst>
-                                </p:cTn>
-                              </p:par>
-                              <p:par>
-                                <p:cTn id="24" presetID="37" presetClass="path" presetSubtype="0" accel="50000" decel="50000" fill="hold" nodeType="withEffect">
-                                  <p:stCondLst>
-                                    <p:cond delay="0"/>
-                                  </p:stCondLst>
-                                  <p:childTnLst>
-                                    <p:animMotion origin="layout" path="M 4.44444E-6 -3.7037E-6 L 0.08645 -0.03101 C 0.10468 -0.03842 0.12968 -0.0368 0.15451 -0.0287 C 0.18281 -0.01921 0.20416 -0.00509 0.21753 0.01274 L 0.28298 0.09445 " pathEditMode="relative" rAng="847136" ptsTypes="FffFF">
-                                      <p:cBhvr>
-                                        <p:cTn id="25" dur="2000" fill="hold"/>
-                                        <p:tgtEl>
-                                          <p:spTgt spid="16"/>
-                                        </p:tgtEl>
-                                        <p:attrNameLst>
-                                          <p:attrName>ppt_x</p:attrName>
-                                          <p:attrName>ppt_y</p:attrName>
-                                        </p:attrNameLst>
-                                      </p:cBhvr>
-                                      <p:rCtr x="14861" y="949"/>
-                                    </p:animMotion>
-                                  </p:childTnLst>
-                                </p:cTn>
-                              </p:par>
-                              <p:par>
-                                <p:cTn id="26" presetID="22" presetClass="exit" presetSubtype="4" fill="hold" grpId="1" nodeType="withEffect">
-                                  <p:stCondLst>
-                                    <p:cond delay="0"/>
-                                  </p:stCondLst>
-                                  <p:childTnLst>
-                                    <p:animEffect transition="out" filter="wipe(down)">
-                                      <p:cBhvr>
-                                        <p:cTn id="27" dur="1000"/>
-                                        <p:tgtEl>
-                                          <p:spTgt spid="2"/>
-                                        </p:tgtEl>
-                                      </p:cBhvr>
-                                    </p:animEffect>
-                                    <p:set>
-                                      <p:cBhvr>
-                                        <p:cTn id="28" dur="1" fill="hold">
-                                          <p:stCondLst>
-                                            <p:cond delay="999"/>
-                                          </p:stCondLst>
-                                        </p:cTn>
-                                        <p:tgtEl>
-                                          <p:spTgt spid="2"/>
-                                        </p:tgtEl>
-                                        <p:attrNameLst>
-                                          <p:attrName>style.visibility</p:attrName>
-                                        </p:attrNameLst>
-                                      </p:cBhvr>
-                                      <p:to>
-                                        <p:strVal val="hidden"/>
-                                      </p:to>
-                                    </p:set>
-                                  </p:childTnLst>
-                                </p:cTn>
-                              </p:par>
-                              <p:par>
-                                <p:cTn id="29" presetID="42" presetClass="path" presetSubtype="0" accel="50000" decel="50000" fill="hold" grpId="0" nodeType="withEffect">
-                                  <p:stCondLst>
-                                    <p:cond delay="1000"/>
-                                  </p:stCondLst>
-                                  <p:childTnLst>
-                                    <p:animMotion origin="layout" path="M -1.11022E-16 5.55112E-17 L -1.11022E-16 0.08611 " pathEditMode="relative" rAng="0" ptsTypes="AA">
-                                      <p:cBhvr>
-                                        <p:cTn id="30" dur="1000" fill="hold"/>
-                                        <p:tgtEl>
-                                          <p:spTgt spid="7"/>
-                                        </p:tgtEl>
-                                        <p:attrNameLst>
-                                          <p:attrName>ppt_x</p:attrName>
-                                          <p:attrName>ppt_y</p:attrName>
-                                        </p:attrNameLst>
-                                      </p:cBhvr>
-                                      <p:rCtr x="0" y="4306"/>
+                                      <p:rCtr x="6736" y="-11458"/>
                                     </p:animMotion>
                                   </p:childTnLst>
                                 </p:cTn>
@@ -7061,16 +7742,14 @@
       </p:par>
     </p:tnLst>
     <p:bldLst>
-      <p:bldP spid="12" grpId="0" animBg="1"/>
-      <p:bldP spid="7" grpId="0"/>
-      <p:bldP spid="2" grpId="0"/>
-      <p:bldP spid="2" grpId="1"/>
+      <p:bldP spid="5" grpId="0" animBg="1"/>
+      <p:bldP spid="9" grpId="0"/>
     </p:bldLst>
   </p:timing>
 </p:sld>
 </file>
 
-<file path=ppt/slides/slide5.xml><?xml version="1.0" encoding="utf-8"?>
+<file path=ppt/slides/slide6.xml><?xml version="1.0" encoding="utf-8"?>
 <p:sld xmlns:a="http://schemas.openxmlformats.org/drawingml/2006/main" xmlns:r="http://schemas.openxmlformats.org/officeDocument/2006/relationships" xmlns:p="http://schemas.openxmlformats.org/presentationml/2006/main">
   <p:cSld>
     <p:spTree>
@@ -7087,289 +7766,172 @@
           <a:chExt cx="0" cy="0"/>
         </a:xfrm>
       </p:grpSpPr>
-      <p:sp>
-        <p:nvSpPr>
-          <p:cNvPr id="2" name="Title 1"/>
-          <p:cNvSpPr>
-            <a:spLocks noGrp="1"/>
-          </p:cNvSpPr>
-          <p:nvPr>
-            <p:ph type="title"/>
-          </p:nvPr>
-        </p:nvSpPr>
-        <p:spPr/>
-        <p:txBody>
-          <a:bodyPr/>
-          <a:lstStyle/>
-          <a:p>
-            <a:r>
-              <a:rPr lang="en-US" dirty="0" smtClean="0"/>
-              <a:t>Directional Viscosity</a:t>
-            </a:r>
-            <a:endParaRPr lang="en-US" dirty="0"/>
-          </a:p>
-        </p:txBody>
-      </p:sp>
       <p:grpSp>
         <p:nvGrpSpPr>
-          <p:cNvPr id="24" name="Group 23"/>
+          <p:cNvPr id="3" name="Group 2"/>
           <p:cNvGrpSpPr/>
           <p:nvPr/>
         </p:nvGrpSpPr>
         <p:grpSpPr>
           <a:xfrm>
-            <a:off x="1981200" y="2438400"/>
-            <a:ext cx="5181600" cy="2895600"/>
-            <a:chOff x="2158788" y="2743200"/>
-            <a:chExt cx="5181600" cy="2895600"/>
+            <a:off x="3175000" y="1524000"/>
+            <a:ext cx="2971800" cy="2971800"/>
+            <a:chOff x="3175000" y="1524000"/>
+            <a:chExt cx="2971800" cy="2971800"/>
           </a:xfrm>
         </p:grpSpPr>
-        <p:cxnSp>
-          <p:nvCxnSpPr>
-            <p:cNvPr id="5" name="Straight Arrow Connector 4"/>
-            <p:cNvCxnSpPr/>
+        <p:sp>
+          <p:nvSpPr>
+            <p:cNvPr id="12" name="Oval 11"/>
+            <p:cNvSpPr/>
             <p:nvPr/>
-          </p:nvCxnSpPr>
+          </p:nvSpPr>
           <p:spPr>
-            <a:xfrm flipH="1">
-              <a:off x="2717801" y="2743200"/>
-              <a:ext cx="2093381" cy="1820333"/>
+            <a:xfrm>
+              <a:off x="3175000" y="1524000"/>
+              <a:ext cx="2971800" cy="2971800"/>
             </a:xfrm>
-            <a:prstGeom prst="straightConnector1">
+            <a:prstGeom prst="ellipse">
               <a:avLst/>
             </a:prstGeom>
-            <a:ln w="28575">
-              <a:prstDash val="dash"/>
-              <a:headEnd type="none"/>
-              <a:tailEnd type="triangle" w="lg" len="lg"/>
+            <a:solidFill>
+              <a:srgbClr val="12121C">
+                <a:alpha val="98000"/>
+              </a:srgbClr>
+            </a:solidFill>
+            <a:ln>
+              <a:noFill/>
             </a:ln>
           </p:spPr>
           <p:style>
-            <a:lnRef idx="1">
-              <a:schemeClr val="accent1"/>
+            <a:lnRef idx="2">
+              <a:schemeClr val="accent1">
+                <a:shade val="50000"/>
+              </a:schemeClr>
             </a:lnRef>
-            <a:fillRef idx="0">
+            <a:fillRef idx="1">
               <a:schemeClr val="accent1"/>
             </a:fillRef>
             <a:effectRef idx="0">
               <a:schemeClr val="accent1"/>
             </a:effectRef>
             <a:fontRef idx="minor">
-              <a:schemeClr val="tx1"/>
+              <a:schemeClr val="lt1"/>
             </a:fontRef>
           </p:style>
-        </p:cxnSp>
-        <p:cxnSp>
-          <p:nvCxnSpPr>
-            <p:cNvPr id="7" name="Straight Arrow Connector 6"/>
-            <p:cNvCxnSpPr/>
+          <p:txBody>
+            <a:bodyPr rtlCol="0" anchor="ctr"/>
+            <a:lstStyle/>
+            <a:p>
+              <a:pPr algn="ctr"/>
+              <a:endParaRPr lang="en-US"/>
+            </a:p>
+          </p:txBody>
+        </p:sp>
+        <p:sp>
+          <p:nvSpPr>
+            <p:cNvPr id="7" name="TextBox 6"/>
+            <p:cNvSpPr txBox="1"/>
             <p:nvPr/>
-          </p:nvCxnSpPr>
+          </p:nvSpPr>
           <p:spPr>
-            <a:xfrm flipH="1">
-              <a:off x="2192655" y="3886200"/>
-              <a:ext cx="2015490" cy="1752600"/>
+            <a:xfrm>
+              <a:off x="3536950" y="2560247"/>
+              <a:ext cx="2298700" cy="707886"/>
             </a:xfrm>
-            <a:prstGeom prst="straightConnector1">
+            <a:prstGeom prst="rect">
               <a:avLst/>
             </a:prstGeom>
-            <a:ln w="28575">
-              <a:prstDash val="dash"/>
-              <a:headEnd type="none"/>
-              <a:tailEnd type="triangle" w="lg" len="lg"/>
-            </a:ln>
+            <a:noFill/>
           </p:spPr>
-          <p:style>
-            <a:lnRef idx="1">
-              <a:schemeClr val="accent1"/>
-            </a:lnRef>
-            <a:fillRef idx="0">
-              <a:schemeClr val="accent1"/>
-            </a:fillRef>
-            <a:effectRef idx="0">
-              <a:schemeClr val="accent1"/>
-            </a:effectRef>
-            <a:fontRef idx="minor">
-              <a:schemeClr val="tx1"/>
-            </a:fontRef>
-          </p:style>
-        </p:cxnSp>
-        <p:cxnSp>
-          <p:nvCxnSpPr>
-            <p:cNvPr id="8" name="Straight Arrow Connector 7"/>
-            <p:cNvCxnSpPr/>
-            <p:nvPr/>
-          </p:nvCxnSpPr>
-          <p:spPr>
-            <a:xfrm flipH="1">
-              <a:off x="3756024" y="3352800"/>
-              <a:ext cx="1752600" cy="1524000"/>
-            </a:xfrm>
-            <a:prstGeom prst="straightConnector1">
-              <a:avLst/>
-            </a:prstGeom>
-            <a:ln w="28575">
-              <a:prstDash val="dash"/>
-              <a:headEnd type="none"/>
-              <a:tailEnd type="triangle" w="lg" len="lg"/>
-            </a:ln>
-          </p:spPr>
-          <p:style>
-            <a:lnRef idx="1">
-              <a:schemeClr val="accent1"/>
-            </a:lnRef>
-            <a:fillRef idx="0">
-              <a:schemeClr val="accent1"/>
-            </a:fillRef>
-            <a:effectRef idx="0">
-              <a:schemeClr val="accent1"/>
-            </a:effectRef>
-            <a:fontRef idx="minor">
-              <a:schemeClr val="tx1"/>
-            </a:fontRef>
-          </p:style>
-        </p:cxnSp>
-        <p:grpSp>
-          <p:nvGrpSpPr>
-            <p:cNvPr id="23" name="Group 22"/>
-            <p:cNvGrpSpPr/>
-            <p:nvPr/>
-          </p:nvGrpSpPr>
-          <p:grpSpPr>
-            <a:xfrm>
-              <a:off x="2158788" y="3551447"/>
-              <a:ext cx="5181600" cy="1779990"/>
-              <a:chOff x="2819400" y="3472921"/>
-              <a:chExt cx="3276600" cy="1125582"/>
-            </a:xfrm>
-          </p:grpSpPr>
-          <p:cxnSp>
-            <p:nvCxnSpPr>
-              <p:cNvPr id="17" name="Straight Arrow Connector 16"/>
-              <p:cNvCxnSpPr/>
-              <p:nvPr/>
-            </p:nvCxnSpPr>
-            <p:spPr>
-              <a:xfrm>
-                <a:off x="2819400" y="3505200"/>
-                <a:ext cx="3276600" cy="0"/>
-              </a:xfrm>
-              <a:prstGeom prst="straightConnector1">
-                <a:avLst/>
-              </a:prstGeom>
-              <a:ln>
-                <a:headEnd type="triangle"/>
-                <a:tailEnd type="triangle"/>
-              </a:ln>
-            </p:spPr>
-            <p:style>
-              <a:lnRef idx="1">
-                <a:schemeClr val="accent1"/>
-              </a:lnRef>
-              <a:fillRef idx="0">
-                <a:schemeClr val="accent1"/>
-              </a:fillRef>
-              <a:effectRef idx="0">
-                <a:schemeClr val="accent1"/>
-              </a:effectRef>
-              <a:fontRef idx="minor">
-                <a:schemeClr val="tx1"/>
-              </a:fontRef>
-            </p:style>
-          </p:cxnSp>
-          <p:sp>
-            <p:nvSpPr>
-              <p:cNvPr id="18" name="Oval 17"/>
-              <p:cNvSpPr/>
-              <p:nvPr/>
-            </p:nvSpPr>
-            <p:spPr>
-              <a:xfrm flipV="1">
-                <a:off x="4425421" y="3472921"/>
-                <a:ext cx="64558" cy="64558"/>
-              </a:xfrm>
-              <a:prstGeom prst="ellipse">
-                <a:avLst/>
-              </a:prstGeom>
-              <a:solidFill>
-                <a:schemeClr val="accent1"/>
-              </a:solidFill>
-              <a:ln>
-                <a:noFill/>
-              </a:ln>
-            </p:spPr>
-            <p:style>
-              <a:lnRef idx="2">
-                <a:schemeClr val="accent1">
-                  <a:shade val="50000"/>
-                </a:schemeClr>
-              </a:lnRef>
-              <a:fillRef idx="1">
-                <a:schemeClr val="accent1"/>
-              </a:fillRef>
-              <a:effectRef idx="0">
-                <a:schemeClr val="accent1"/>
-              </a:effectRef>
-              <a:fontRef idx="minor">
-                <a:schemeClr val="lt1"/>
-              </a:fontRef>
-            </p:style>
-            <p:txBody>
-              <a:bodyPr rtlCol="0" anchor="ctr"/>
-              <a:lstStyle/>
-              <a:p>
-                <a:pPr algn="ctr"/>
-                <a:endParaRPr lang="en-US"/>
-              </a:p>
-            </p:txBody>
-          </p:sp>
-          <p:cxnSp>
-            <p:nvCxnSpPr>
-              <p:cNvPr id="21" name="Straight Arrow Connector 20"/>
-              <p:cNvCxnSpPr/>
-              <p:nvPr/>
-            </p:nvCxnSpPr>
-            <p:spPr>
-              <a:xfrm flipH="1">
-                <a:off x="3200400" y="3505199"/>
-                <a:ext cx="1257300" cy="1093304"/>
-              </a:xfrm>
-              <a:prstGeom prst="straightConnector1">
-                <a:avLst/>
-              </a:prstGeom>
-              <a:ln w="19050" cmpd="sng">
-                <a:prstDash val="solid"/>
-                <a:headEnd type="none"/>
-                <a:tailEnd type="triangle" w="med" len="med"/>
-              </a:ln>
-            </p:spPr>
-            <p:style>
-              <a:lnRef idx="1">
-                <a:schemeClr val="accent1"/>
-              </a:lnRef>
-              <a:fillRef idx="0">
-                <a:schemeClr val="accent1"/>
-              </a:fillRef>
-              <a:effectRef idx="0">
-                <a:schemeClr val="accent1"/>
-              </a:effectRef>
-              <a:fontRef idx="minor">
-                <a:schemeClr val="tx1"/>
-              </a:fontRef>
-            </p:style>
-          </p:cxnSp>
-        </p:grpSp>
+          <p:txBody>
+            <a:bodyPr wrap="square" rtlCol="0">
+              <a:spAutoFit/>
+            </a:bodyPr>
+            <a:lstStyle/>
+            <a:p>
+              <a:pPr algn="ctr"/>
+              <a:r>
+                <a:rPr lang="en-US" sz="4000" dirty="0" smtClean="0">
+                  <a:effectLst>
+                    <a:glow rad="63500">
+                      <a:srgbClr val="504B6D"/>
+                    </a:glow>
+                    <a:reflection blurRad="6350" stA="55000" endA="300" endPos="45500" dir="5400000" sy="-100000" algn="bl" rotWithShape="0"/>
+                  </a:effectLst>
+                </a:rPr>
+                <a:t>Education</a:t>
+              </a:r>
+              <a:endParaRPr lang="en-US" sz="4000" dirty="0">
+                <a:effectLst>
+                  <a:glow rad="63500">
+                    <a:srgbClr val="504B6D"/>
+                  </a:glow>
+                  <a:reflection blurRad="6350" stA="55000" endA="300" endPos="45500" dir="5400000" sy="-100000" algn="bl" rotWithShape="0"/>
+                </a:effectLst>
+              </a:endParaRPr>
+            </a:p>
+          </p:txBody>
+        </p:sp>
       </p:grpSp>
       <p:sp>
         <p:nvSpPr>
-          <p:cNvPr id="25" name="TextBox 24"/>
+          <p:cNvPr id="13" name="Oval 12"/>
+          <p:cNvSpPr/>
+          <p:nvPr/>
+        </p:nvSpPr>
+        <p:spPr>
+          <a:xfrm>
+            <a:off x="4491567" y="3162300"/>
+            <a:ext cx="2971800" cy="2971800"/>
+          </a:xfrm>
+          <a:prstGeom prst="ellipse">
+            <a:avLst/>
+          </a:prstGeom>
+          <a:solidFill>
+            <a:srgbClr val="12121C">
+              <a:alpha val="98000"/>
+            </a:srgbClr>
+          </a:solidFill>
+          <a:ln>
+            <a:noFill/>
+          </a:ln>
+        </p:spPr>
+        <p:style>
+          <a:lnRef idx="2">
+            <a:schemeClr val="accent1">
+              <a:shade val="50000"/>
+            </a:schemeClr>
+          </a:lnRef>
+          <a:fillRef idx="1">
+            <a:schemeClr val="accent1"/>
+          </a:fillRef>
+          <a:effectRef idx="0">
+            <a:schemeClr val="accent1"/>
+          </a:effectRef>
+          <a:fontRef idx="minor">
+            <a:schemeClr val="lt1"/>
+          </a:fontRef>
+        </p:style>
+        <p:txBody>
+          <a:bodyPr rtlCol="0" anchor="ctr"/>
+          <a:lstStyle/>
+          <a:p>
+            <a:pPr algn="ctr"/>
+            <a:endParaRPr lang="en-US"/>
+          </a:p>
+        </p:txBody>
+      </p:sp>
+      <p:sp>
+        <p:nvSpPr>
+          <p:cNvPr id="10" name="TextBox 9"/>
           <p:cNvSpPr txBox="1"/>
           <p:nvPr/>
         </p:nvSpPr>
         <p:spPr>
           <a:xfrm>
-            <a:off x="5638800" y="1371600"/>
-            <a:ext cx="2667000" cy="369332"/>
+            <a:off x="5029200" y="4267200"/>
+            <a:ext cx="2057400" cy="707886"/>
           </a:xfrm>
           <a:prstGeom prst="rect">
             <a:avLst/>
@@ -7382,295 +7944,363 @@
           </a:bodyPr>
           <a:lstStyle/>
           <a:p>
-            <a:endParaRPr lang="en-US" b="1" dirty="0"/>
+            <a:pPr algn="ctr"/>
+            <a:r>
+              <a:rPr lang="en-US" sz="4000" dirty="0" smtClean="0">
+                <a:effectLst>
+                  <a:glow rad="63500">
+                    <a:srgbClr val="505178"/>
+                  </a:glow>
+                  <a:reflection blurRad="6350" stA="55000" endA="300" endPos="45500" dir="5400000" sy="-100000" algn="bl" rotWithShape="0"/>
+                </a:effectLst>
+              </a:rPr>
+              <a:t>Control</a:t>
+            </a:r>
+            <a:endParaRPr lang="en-US" sz="4000" dirty="0">
+              <a:effectLst>
+                <a:glow rad="63500">
+                  <a:srgbClr val="505178"/>
+                </a:glow>
+                <a:reflection blurRad="6350" stA="55000" endA="300" endPos="45500" dir="5400000" sy="-100000" algn="bl" rotWithShape="0"/>
+              </a:effectLst>
+            </a:endParaRPr>
           </a:p>
         </p:txBody>
       </p:sp>
-      <mc:AlternateContent xmlns:mc="http://schemas.openxmlformats.org/markup-compatibility/2006">
-        <mc:Choice xmlns:a14="http://schemas.microsoft.com/office/drawing/2010/main" Requires="a14">
-          <p:sp>
-            <p:nvSpPr>
-              <p:cNvPr id="26" name="TextBox 25"/>
-              <p:cNvSpPr txBox="1"/>
-              <p:nvPr/>
-            </p:nvSpPr>
-            <p:spPr>
-              <a:xfrm>
-                <a:off x="2773216" y="2983468"/>
-                <a:ext cx="805220" cy="369332"/>
-              </a:xfrm>
-              <a:prstGeom prst="rect">
-                <a:avLst/>
-              </a:prstGeom>
+      <p:grpSp>
+        <p:nvGrpSpPr>
+          <p:cNvPr id="2" name="Group 1"/>
+          <p:cNvGrpSpPr/>
+          <p:nvPr/>
+        </p:nvGrpSpPr>
+        <p:grpSpPr>
+          <a:xfrm>
+            <a:off x="1943100" y="3268133"/>
+            <a:ext cx="2971800" cy="2971800"/>
+            <a:chOff x="1943100" y="3268133"/>
+            <a:chExt cx="2971800" cy="2971800"/>
+          </a:xfrm>
+        </p:grpSpPr>
+        <p:sp>
+          <p:nvSpPr>
+            <p:cNvPr id="5" name="Oval 4"/>
+            <p:cNvSpPr/>
+            <p:nvPr/>
+          </p:nvSpPr>
+          <p:spPr>
+            <a:xfrm>
+              <a:off x="1943100" y="3268133"/>
+              <a:ext cx="2971800" cy="2971800"/>
+            </a:xfrm>
+            <a:prstGeom prst="ellipse">
+              <a:avLst/>
+            </a:prstGeom>
+            <a:solidFill>
+              <a:srgbClr val="12121C">
+                <a:alpha val="98000"/>
+              </a:srgbClr>
+            </a:solidFill>
+            <a:ln>
               <a:noFill/>
-            </p:spPr>
-            <p:txBody>
-              <a:bodyPr wrap="none" rtlCol="0">
-                <a:spAutoFit/>
-              </a:bodyPr>
-              <a:lstStyle/>
-              <a:p>
-                <a14:m>
-                  <m:oMathPara xmlns:m="http://schemas.openxmlformats.org/officeDocument/2006/math">
-                    <m:oMathParaPr>
-                      <m:jc m:val="centerGroup"/>
-                    </m:oMathParaPr>
-                    <m:oMath xmlns:m="http://schemas.openxmlformats.org/officeDocument/2006/math">
-                      <m:r>
-                        <a:rPr lang="en-US" b="0" i="1" smtClean="0">
-                          <a:latin typeface="Cambria Math"/>
-                        </a:rPr>
-                        <m:t>𝑑</m:t>
-                      </m:r>
-                      <m:r>
-                        <a:rPr lang="en-US" b="0" i="1" smtClean="0">
-                          <a:latin typeface="Cambria Math"/>
-                        </a:rPr>
-                        <m:t>−</m:t>
-                      </m:r>
-                      <m:r>
-                        <a:rPr lang="en-US" b="0" i="1" smtClean="0">
-                          <a:latin typeface="Cambria Math"/>
-                        </a:rPr>
-                        <m:t>𝑣</m:t>
-                      </m:r>
-                    </m:oMath>
-                  </m:oMathPara>
-                </a14:m>
-                <a:endParaRPr lang="en-US" dirty="0"/>
-              </a:p>
-            </p:txBody>
-          </p:sp>
-        </mc:Choice>
-        <mc:Fallback>
-          <p:sp>
-            <p:nvSpPr>
-              <p:cNvPr id="26" name="TextBox 25"/>
-              <p:cNvSpPr txBox="1">
-                <a:spLocks noRot="1" noChangeAspect="1" noMove="1" noResize="1" noEditPoints="1" noAdjustHandles="1" noChangeArrowheads="1" noChangeShapeType="1" noTextEdit="1"/>
-              </p:cNvSpPr>
-              <p:nvPr/>
-            </p:nvSpPr>
-            <p:spPr>
-              <a:xfrm>
-                <a:off x="2773216" y="2983468"/>
-                <a:ext cx="805220" cy="369332"/>
-              </a:xfrm>
-              <a:prstGeom prst="rect">
-                <a:avLst/>
-              </a:prstGeom>
-              <a:blipFill rotWithShape="1">
-                <a:blip r:embed="rId2"/>
-                <a:stretch>
-                  <a:fillRect/>
-                </a:stretch>
-              </a:blipFill>
-            </p:spPr>
-            <p:txBody>
-              <a:bodyPr/>
-              <a:lstStyle/>
-              <a:p>
-                <a:r>
-                  <a:rPr lang="en-US">
-                    <a:noFill/>
-                  </a:rPr>
-                  <a:t> </a:t>
-                </a:r>
-              </a:p>
-            </p:txBody>
-          </p:sp>
-        </mc:Fallback>
-      </mc:AlternateContent>
-      <mc:AlternateContent xmlns:mc="http://schemas.openxmlformats.org/markup-compatibility/2006">
-        <mc:Choice xmlns:a14="http://schemas.microsoft.com/office/drawing/2010/main" Requires="a14">
-          <p:sp>
-            <p:nvSpPr>
-              <p:cNvPr id="27" name="TextBox 26"/>
-              <p:cNvSpPr txBox="1"/>
-              <p:nvPr/>
-            </p:nvSpPr>
-            <p:spPr>
-              <a:xfrm>
-                <a:off x="5715000" y="2972618"/>
-                <a:ext cx="369332" cy="369332"/>
-              </a:xfrm>
-              <a:prstGeom prst="rect">
-                <a:avLst/>
-              </a:prstGeom>
-              <a:noFill/>
-            </p:spPr>
-            <p:txBody>
-              <a:bodyPr wrap="none" rtlCol="0">
-                <a:spAutoFit/>
-              </a:bodyPr>
-              <a:lstStyle/>
-              <a:p>
-                <a14:m>
-                  <m:oMathPara xmlns:m="http://schemas.openxmlformats.org/officeDocument/2006/math">
-                    <m:oMathParaPr>
-                      <m:jc m:val="centerGroup"/>
-                    </m:oMathParaPr>
-                    <m:oMath xmlns:m="http://schemas.openxmlformats.org/officeDocument/2006/math">
-                      <m:r>
-                        <a:rPr lang="en-US" b="0" i="1" smtClean="0">
-                          <a:latin typeface="Cambria Math"/>
-                        </a:rPr>
-                        <m:t>𝑣</m:t>
-                      </m:r>
-                    </m:oMath>
-                  </m:oMathPara>
-                </a14:m>
-                <a:endParaRPr lang="en-US" dirty="0"/>
-              </a:p>
-            </p:txBody>
-          </p:sp>
-        </mc:Choice>
-        <mc:Fallback>
-          <p:sp>
-            <p:nvSpPr>
-              <p:cNvPr id="27" name="TextBox 26"/>
-              <p:cNvSpPr txBox="1">
-                <a:spLocks noRot="1" noChangeAspect="1" noMove="1" noResize="1" noEditPoints="1" noAdjustHandles="1" noChangeArrowheads="1" noChangeShapeType="1" noTextEdit="1"/>
-              </p:cNvSpPr>
-              <p:nvPr/>
-            </p:nvSpPr>
-            <p:spPr>
-              <a:xfrm>
-                <a:off x="5715000" y="2972618"/>
-                <a:ext cx="369332" cy="369332"/>
-              </a:xfrm>
-              <a:prstGeom prst="rect">
-                <a:avLst/>
-              </a:prstGeom>
-              <a:blipFill rotWithShape="1">
-                <a:blip r:embed="rId3"/>
-                <a:stretch>
-                  <a:fillRect/>
-                </a:stretch>
-              </a:blipFill>
-            </p:spPr>
-            <p:txBody>
-              <a:bodyPr/>
-              <a:lstStyle/>
-              <a:p>
-                <a:r>
-                  <a:rPr lang="en-US">
-                    <a:noFill/>
-                  </a:rPr>
-                  <a:t> </a:t>
-                </a:r>
-              </a:p>
-            </p:txBody>
-          </p:sp>
-        </mc:Fallback>
-      </mc:AlternateContent>
-      <mc:AlternateContent xmlns:mc="http://schemas.openxmlformats.org/markup-compatibility/2006">
-        <mc:Choice xmlns:a14="http://schemas.microsoft.com/office/drawing/2010/main" Requires="a14">
-          <p:sp>
-            <p:nvSpPr>
-              <p:cNvPr id="28" name="TextBox 27"/>
-              <p:cNvSpPr txBox="1"/>
-              <p:nvPr/>
-            </p:nvSpPr>
-            <p:spPr>
-              <a:xfrm>
-                <a:off x="3505200" y="4074067"/>
-                <a:ext cx="377924" cy="369332"/>
-              </a:xfrm>
-              <a:prstGeom prst="rect">
-                <a:avLst/>
-              </a:prstGeom>
-              <a:noFill/>
-            </p:spPr>
-            <p:txBody>
-              <a:bodyPr wrap="none" rtlCol="0">
-                <a:spAutoFit/>
-              </a:bodyPr>
-              <a:lstStyle/>
-              <a:p>
-                <a14:m>
-                  <m:oMathPara xmlns:m="http://schemas.openxmlformats.org/officeDocument/2006/math">
-                    <m:oMathParaPr>
-                      <m:jc m:val="centerGroup"/>
-                    </m:oMathParaPr>
-                    <m:oMath xmlns:m="http://schemas.openxmlformats.org/officeDocument/2006/math">
-                      <m:r>
-                        <a:rPr lang="en-US" b="0" i="1" smtClean="0">
-                          <a:latin typeface="Cambria Math"/>
-                        </a:rPr>
-                        <m:t>𝑑</m:t>
-                      </m:r>
-                    </m:oMath>
-                  </m:oMathPara>
-                </a14:m>
-                <a:endParaRPr lang="en-US" dirty="0"/>
-              </a:p>
-            </p:txBody>
-          </p:sp>
-        </mc:Choice>
-        <mc:Fallback>
-          <p:sp>
-            <p:nvSpPr>
-              <p:cNvPr id="28" name="TextBox 27"/>
-              <p:cNvSpPr txBox="1">
-                <a:spLocks noRot="1" noChangeAspect="1" noMove="1" noResize="1" noEditPoints="1" noAdjustHandles="1" noChangeArrowheads="1" noChangeShapeType="1" noTextEdit="1"/>
-              </p:cNvSpPr>
-              <p:nvPr/>
-            </p:nvSpPr>
-            <p:spPr>
-              <a:xfrm>
-                <a:off x="3505200" y="4074067"/>
-                <a:ext cx="377924" cy="369332"/>
-              </a:xfrm>
-              <a:prstGeom prst="rect">
-                <a:avLst/>
-              </a:prstGeom>
-              <a:blipFill rotWithShape="1">
-                <a:blip r:embed="rId4"/>
-                <a:stretch>
-                  <a:fillRect/>
-                </a:stretch>
-              </a:blipFill>
-            </p:spPr>
-            <p:txBody>
-              <a:bodyPr/>
-              <a:lstStyle/>
-              <a:p>
-                <a:r>
-                  <a:rPr lang="en-US">
-                    <a:noFill/>
-                  </a:rPr>
-                  <a:t> </a:t>
-                </a:r>
-              </a:p>
-            </p:txBody>
-          </p:sp>
-        </mc:Fallback>
-      </mc:AlternateContent>
+            </a:ln>
+          </p:spPr>
+          <p:style>
+            <a:lnRef idx="2">
+              <a:schemeClr val="accent1">
+                <a:shade val="50000"/>
+              </a:schemeClr>
+            </a:lnRef>
+            <a:fillRef idx="1">
+              <a:schemeClr val="accent1"/>
+            </a:fillRef>
+            <a:effectRef idx="0">
+              <a:schemeClr val="accent1"/>
+            </a:effectRef>
+            <a:fontRef idx="minor">
+              <a:schemeClr val="lt1"/>
+            </a:fontRef>
+          </p:style>
+          <p:txBody>
+            <a:bodyPr rtlCol="0" anchor="ctr"/>
+            <a:lstStyle/>
+            <a:p>
+              <a:pPr algn="ctr"/>
+              <a:endParaRPr lang="en-US" u="sng" dirty="0"/>
+            </a:p>
+          </p:txBody>
+        </p:sp>
+        <p:sp>
+          <p:nvSpPr>
+            <p:cNvPr id="9" name="TextBox 8"/>
+            <p:cNvSpPr txBox="1"/>
+            <p:nvPr/>
+          </p:nvSpPr>
+          <p:spPr>
+            <a:xfrm>
+              <a:off x="2438400" y="4321314"/>
+              <a:ext cx="2057400" cy="707886"/>
+            </a:xfrm>
+            <a:prstGeom prst="rect">
+              <a:avLst/>
+            </a:prstGeom>
+            <a:noFill/>
+            <a:effectLst>
+              <a:glow rad="63500">
+                <a:srgbClr val="505178">
+                  <a:alpha val="5000"/>
+                </a:srgbClr>
+              </a:glow>
+            </a:effectLst>
+          </p:spPr>
+          <p:txBody>
+            <a:bodyPr wrap="square" rtlCol="0">
+              <a:spAutoFit/>
+            </a:bodyPr>
+            <a:lstStyle/>
+            <a:p>
+              <a:pPr algn="ctr"/>
+              <a:r>
+                <a:rPr lang="en-US" sz="4000" dirty="0" smtClean="0">
+                  <a:effectLst>
+                    <a:glow rad="63500">
+                      <a:srgbClr val="504B6D">
+                        <a:alpha val="81000"/>
+                      </a:srgbClr>
+                    </a:glow>
+                    <a:reflection blurRad="6350" stA="55000" endA="300" endPos="45500" dir="5400000" sy="-100000" algn="bl" rotWithShape="0"/>
+                  </a:effectLst>
+                </a:rPr>
+                <a:t>Design</a:t>
+              </a:r>
+              <a:endParaRPr lang="en-US" sz="4000" dirty="0">
+                <a:effectLst>
+                  <a:glow rad="63500">
+                    <a:srgbClr val="504B6D">
+                      <a:alpha val="81000"/>
+                    </a:srgbClr>
+                  </a:glow>
+                  <a:reflection blurRad="6350" stA="55000" endA="300" endPos="45500" dir="5400000" sy="-100000" algn="bl" rotWithShape="0"/>
+                </a:effectLst>
+              </a:endParaRPr>
+            </a:p>
+          </p:txBody>
+        </p:sp>
+      </p:grpSp>
     </p:spTree>
     <p:extLst>
       <p:ext uri="{BB962C8B-B14F-4D97-AF65-F5344CB8AC3E}">
-        <p14:creationId xmlns:p14="http://schemas.microsoft.com/office/powerpoint/2010/main" val="321363670"/>
+        <p14:creationId xmlns:p14="http://schemas.microsoft.com/office/powerpoint/2010/main" val="1333768101"/>
       </p:ext>
     </p:extLst>
   </p:cSld>
   <p:clrMapOvr>
     <a:masterClrMapping/>
   </p:clrMapOvr>
-  <mc:AlternateContent xmlns:mc="http://schemas.openxmlformats.org/markup-compatibility/2006">
-    <mc:Choice xmlns:p14="http://schemas.microsoft.com/office/powerpoint/2010/main" Requires="p14">
-      <p:transition p14:dur="10"/>
-    </mc:Choice>
-    <mc:Fallback>
-      <p:transition/>
-    </mc:Fallback>
-  </mc:AlternateContent>
   <p:timing>
     <p:tnLst>
       <p:par>
-        <p:cTn id="1" dur="indefinite" restart="never" nodeType="tmRoot"/>
+        <p:cTn id="1" dur="indefinite" restart="never" nodeType="tmRoot">
+          <p:childTnLst>
+            <p:seq concurrent="1" nextAc="seek">
+              <p:cTn id="2" dur="indefinite" nodeType="mainSeq">
+                <p:childTnLst>
+                  <p:par>
+                    <p:cTn id="3" fill="hold">
+                      <p:stCondLst>
+                        <p:cond delay="indefinite"/>
+                      </p:stCondLst>
+                      <p:childTnLst>
+                        <p:par>
+                          <p:cTn id="4" fill="hold">
+                            <p:stCondLst>
+                              <p:cond delay="0"/>
+                            </p:stCondLst>
+                            <p:childTnLst>
+                              <p:par>
+                                <p:cTn id="5" presetID="37" presetClass="path" presetSubtype="0" accel="50000" decel="50000" fill="hold" nodeType="clickEffect">
+                                  <p:stCondLst>
+                                    <p:cond delay="0"/>
+                                  </p:stCondLst>
+                                  <p:childTnLst>
+                                    <p:animMotion origin="layout" path="M -0.00659 0.00856 L 0.07466 -0.06389 C 0.0915 -0.07917 0.11823 -0.09745 0.14705 -0.11435 C 0.17952 -0.1338 0.20677 -0.14676 0.22674 -0.15278 L 0.32153 -0.18403 " pathEditMode="relative" rAng="-1423224" ptsTypes="FffFF">
+                                      <p:cBhvr>
+                                        <p:cTn id="6" dur="1000" fill="hold"/>
+                                        <p:tgtEl>
+                                          <p:spTgt spid="3"/>
+                                        </p:tgtEl>
+                                        <p:attrNameLst>
+                                          <p:attrName>ppt_x</p:attrName>
+                                          <p:attrName>ppt_y</p:attrName>
+                                        </p:attrNameLst>
+                                      </p:cBhvr>
+                                      <p:rCtr x="15937" y="-11019"/>
+                                    </p:animMotion>
+                                  </p:childTnLst>
+                                </p:cTn>
+                              </p:par>
+                              <p:par>
+                                <p:cTn id="7" presetID="10" presetClass="exit" presetSubtype="0" fill="hold" nodeType="withEffect">
+                                  <p:stCondLst>
+                                    <p:cond delay="0"/>
+                                  </p:stCondLst>
+                                  <p:childTnLst>
+                                    <p:animEffect transition="out" filter="fade">
+                                      <p:cBhvr>
+                                        <p:cTn id="8" dur="500"/>
+                                        <p:tgtEl>
+                                          <p:spTgt spid="3"/>
+                                        </p:tgtEl>
+                                      </p:cBhvr>
+                                    </p:animEffect>
+                                    <p:set>
+                                      <p:cBhvr>
+                                        <p:cTn id="9" dur="1" fill="hold">
+                                          <p:stCondLst>
+                                            <p:cond delay="499"/>
+                                          </p:stCondLst>
+                                        </p:cTn>
+                                        <p:tgtEl>
+                                          <p:spTgt spid="3"/>
+                                        </p:tgtEl>
+                                        <p:attrNameLst>
+                                          <p:attrName>style.visibility</p:attrName>
+                                        </p:attrNameLst>
+                                      </p:cBhvr>
+                                      <p:to>
+                                        <p:strVal val="hidden"/>
+                                      </p:to>
+                                    </p:set>
+                                  </p:childTnLst>
+                                </p:cTn>
+                              </p:par>
+                              <p:par>
+                                <p:cTn id="10" presetID="37" presetClass="path" presetSubtype="0" accel="50000" decel="50000" fill="hold" nodeType="withEffect">
+                                  <p:stCondLst>
+                                    <p:cond delay="0"/>
+                                  </p:stCondLst>
+                                  <p:childTnLst>
+                                    <p:animMotion origin="layout" path="M -0.00868 0.03865 L -0.08281 -0.06227 C -0.09774 -0.08542 -0.12396 -0.10348 -0.15278 -0.11459 C -0.18594 -0.12709 -0.21406 -0.12917 -0.23559 -0.12107 L -0.33889 -0.08704 " pathEditMode="relative" rAng="11756723" ptsTypes="FffFF">
+                                      <p:cBhvr>
+                                        <p:cTn id="11" dur="2000" fill="hold"/>
+                                        <p:tgtEl>
+                                          <p:spTgt spid="2"/>
+                                        </p:tgtEl>
+                                        <p:attrNameLst>
+                                          <p:attrName>ppt_x</p:attrName>
+                                          <p:attrName>ppt_y</p:attrName>
+                                        </p:attrNameLst>
+                                      </p:cBhvr>
+                                      <p:rCtr x="-15538" y="-10833"/>
+                                    </p:animMotion>
+                                  </p:childTnLst>
+                                </p:cTn>
+                              </p:par>
+                              <p:par>
+                                <p:cTn id="12" presetID="10" presetClass="exit" presetSubtype="0" fill="hold" nodeType="withEffect">
+                                  <p:stCondLst>
+                                    <p:cond delay="0"/>
+                                  </p:stCondLst>
+                                  <p:childTnLst>
+                                    <p:animEffect transition="out" filter="fade">
+                                      <p:cBhvr>
+                                        <p:cTn id="13" dur="500"/>
+                                        <p:tgtEl>
+                                          <p:spTgt spid="2"/>
+                                        </p:tgtEl>
+                                      </p:cBhvr>
+                                    </p:animEffect>
+                                    <p:set>
+                                      <p:cBhvr>
+                                        <p:cTn id="14" dur="1" fill="hold">
+                                          <p:stCondLst>
+                                            <p:cond delay="499"/>
+                                          </p:stCondLst>
+                                        </p:cTn>
+                                        <p:tgtEl>
+                                          <p:spTgt spid="2"/>
+                                        </p:tgtEl>
+                                        <p:attrNameLst>
+                                          <p:attrName>style.visibility</p:attrName>
+                                        </p:attrNameLst>
+                                      </p:cBhvr>
+                                      <p:to>
+                                        <p:strVal val="hidden"/>
+                                      </p:to>
+                                    </p:set>
+                                  </p:childTnLst>
+                                </p:cTn>
+                              </p:par>
+                              <p:par>
+                                <p:cTn id="15" presetID="6" presetClass="emph" presetSubtype="0" fill="hold" grpId="0" nodeType="withEffect">
+                                  <p:stCondLst>
+                                    <p:cond delay="0"/>
+                                  </p:stCondLst>
+                                  <p:childTnLst>
+                                    <p:animScale>
+                                      <p:cBhvr>
+                                        <p:cTn id="16" dur="500" fill="hold"/>
+                                        <p:tgtEl>
+                                          <p:spTgt spid="13"/>
+                                        </p:tgtEl>
+                                      </p:cBhvr>
+                                      <p:by x="550000" y="550000"/>
+                                    </p:animScale>
+                                  </p:childTnLst>
+                                </p:cTn>
+                              </p:par>
+                              <p:par>
+                                <p:cTn id="17" presetID="37" presetClass="path" presetSubtype="0" accel="50000" decel="50000" fill="hold" grpId="0" nodeType="withEffect">
+                                  <p:stCondLst>
+                                    <p:cond delay="0"/>
+                                  </p:stCondLst>
+                                  <p:childTnLst>
+                                    <p:animMotion origin="layout" path="M 3.05556E-6 -1.11111E-6 L -0.06962 -0.01481 C -0.0842 -0.01713 -0.10209 -0.02778 -0.11736 -0.04514 C -0.13525 -0.06319 -0.14688 -0.0831 -0.15191 -0.10139 L -0.17795 -0.1875 " pathEditMode="relative" rAng="2305874" ptsTypes="FffFF">
+                                      <p:cBhvr>
+                                        <p:cTn id="18" dur="1000" fill="hold"/>
+                                        <p:tgtEl>
+                                          <p:spTgt spid="10"/>
+                                        </p:tgtEl>
+                                        <p:attrNameLst>
+                                          <p:attrName>ppt_x</p:attrName>
+                                          <p:attrName>ppt_y</p:attrName>
+                                        </p:attrNameLst>
+                                      </p:cBhvr>
+                                      <p:rCtr x="-10347" y="-6944"/>
+                                    </p:animMotion>
+                                  </p:childTnLst>
+                                </p:cTn>
+                              </p:par>
+                            </p:childTnLst>
+                          </p:cTn>
+                        </p:par>
+                      </p:childTnLst>
+                    </p:cTn>
+                  </p:par>
+                </p:childTnLst>
+              </p:cTn>
+              <p:prevCondLst>
+                <p:cond evt="onPrev" delay="0">
+                  <p:tgtEl>
+                    <p:sldTgt/>
+                  </p:tgtEl>
+                </p:cond>
+              </p:prevCondLst>
+              <p:nextCondLst>
+                <p:cond evt="onNext" delay="0">
+                  <p:tgtEl>
+                    <p:sldTgt/>
+                  </p:tgtEl>
+                </p:cond>
+              </p:nextCondLst>
+            </p:seq>
+          </p:childTnLst>
+        </p:cTn>
       </p:par>
     </p:tnLst>
+    <p:bldLst>
+      <p:bldP spid="13" grpId="0" animBg="1"/>
+      <p:bldP spid="10" grpId="0"/>
+    </p:bldLst>
   </p:timing>
 </p:sld>
 </file>
@@ -7958,4 +8588,289 @@
   <a:objectDefaults/>
   <a:extraClrSchemeLst/>
 </a:theme>
+</file>
+
+<file path=ppt/theme/theme2.xml><?xml version="1.0" encoding="utf-8"?>
+<a:theme xmlns:a="http://schemas.openxmlformats.org/drawingml/2006/main" name="Office Theme">
+  <a:themeElements>
+    <a:clrScheme name="Office">
+      <a:dk1>
+        <a:sysClr val="windowText" lastClr="000000"/>
+      </a:dk1>
+      <a:lt1>
+        <a:sysClr val="window" lastClr="FFFFFF"/>
+      </a:lt1>
+      <a:dk2>
+        <a:srgbClr val="1F497D"/>
+      </a:dk2>
+      <a:lt2>
+        <a:srgbClr val="EEECE1"/>
+      </a:lt2>
+      <a:accent1>
+        <a:srgbClr val="4F81BD"/>
+      </a:accent1>
+      <a:accent2>
+        <a:srgbClr val="C0504D"/>
+      </a:accent2>
+      <a:accent3>
+        <a:srgbClr val="9BBB59"/>
+      </a:accent3>
+      <a:accent4>
+        <a:srgbClr val="8064A2"/>
+      </a:accent4>
+      <a:accent5>
+        <a:srgbClr val="4BACC6"/>
+      </a:accent5>
+      <a:accent6>
+        <a:srgbClr val="F79646"/>
+      </a:accent6>
+      <a:hlink>
+        <a:srgbClr val="0000FF"/>
+      </a:hlink>
+      <a:folHlink>
+        <a:srgbClr val="800080"/>
+      </a:folHlink>
+    </a:clrScheme>
+    <a:fontScheme name="Office">
+      <a:majorFont>
+        <a:latin typeface="Calibri"/>
+        <a:ea typeface=""/>
+        <a:cs typeface=""/>
+        <a:font script="Jpan" typeface="ＭＳ Ｐゴシック"/>
+        <a:font script="Hang" typeface="맑은 고딕"/>
+        <a:font script="Hans" typeface="宋体"/>
+        <a:font script="Hant" typeface="新細明體"/>
+        <a:font script="Arab" typeface="Times New Roman"/>
+        <a:font script="Hebr" typeface="Times New Roman"/>
+        <a:font script="Thai" typeface="Angsana New"/>
+        <a:font script="Ethi" typeface="Nyala"/>
+        <a:font script="Beng" typeface="Vrinda"/>
+        <a:font script="Gujr" typeface="Shruti"/>
+        <a:font script="Khmr" typeface="MoolBoran"/>
+        <a:font script="Knda" typeface="Tunga"/>
+        <a:font script="Guru" typeface="Raavi"/>
+        <a:font script="Cans" typeface="Euphemia"/>
+        <a:font script="Cher" typeface="Plantagenet Cherokee"/>
+        <a:font script="Yiii" typeface="Microsoft Yi Baiti"/>
+        <a:font script="Tibt" typeface="Microsoft Himalaya"/>
+        <a:font script="Thaa" typeface="MV Boli"/>
+        <a:font script="Deva" typeface="Mangal"/>
+        <a:font script="Telu" typeface="Gautami"/>
+        <a:font script="Taml" typeface="Latha"/>
+        <a:font script="Syrc" typeface="Estrangelo Edessa"/>
+        <a:font script="Orya" typeface="Kalinga"/>
+        <a:font script="Mlym" typeface="Kartika"/>
+        <a:font script="Laoo" typeface="DokChampa"/>
+        <a:font script="Sinh" typeface="Iskoola Pota"/>
+        <a:font script="Mong" typeface="Mongolian Baiti"/>
+        <a:font script="Viet" typeface="Times New Roman"/>
+        <a:font script="Uigh" typeface="Microsoft Uighur"/>
+        <a:font script="Geor" typeface="Sylfaen"/>
+      </a:majorFont>
+      <a:minorFont>
+        <a:latin typeface="Calibri"/>
+        <a:ea typeface=""/>
+        <a:cs typeface=""/>
+        <a:font script="Jpan" typeface="ＭＳ Ｐゴシック"/>
+        <a:font script="Hang" typeface="맑은 고딕"/>
+        <a:font script="Hans" typeface="宋体"/>
+        <a:font script="Hant" typeface="新細明體"/>
+        <a:font script="Arab" typeface="Arial"/>
+        <a:font script="Hebr" typeface="Arial"/>
+        <a:font script="Thai" typeface="Cordia New"/>
+        <a:font script="Ethi" typeface="Nyala"/>
+        <a:font script="Beng" typeface="Vrinda"/>
+        <a:font script="Gujr" typeface="Shruti"/>
+        <a:font script="Khmr" typeface="DaunPenh"/>
+        <a:font script="Knda" typeface="Tunga"/>
+        <a:font script="Guru" typeface="Raavi"/>
+        <a:font script="Cans" typeface="Euphemia"/>
+        <a:font script="Cher" typeface="Plantagenet Cherokee"/>
+        <a:font script="Yiii" typeface="Microsoft Yi Baiti"/>
+        <a:font script="Tibt" typeface="Microsoft Himalaya"/>
+        <a:font script="Thaa" typeface="MV Boli"/>
+        <a:font script="Deva" typeface="Mangal"/>
+        <a:font script="Telu" typeface="Gautami"/>
+        <a:font script="Taml" typeface="Latha"/>
+        <a:font script="Syrc" typeface="Estrangelo Edessa"/>
+        <a:font script="Orya" typeface="Kalinga"/>
+        <a:font script="Mlym" typeface="Kartika"/>
+        <a:font script="Laoo" typeface="DokChampa"/>
+        <a:font script="Sinh" typeface="Iskoola Pota"/>
+        <a:font script="Mong" typeface="Mongolian Baiti"/>
+        <a:font script="Viet" typeface="Arial"/>
+        <a:font script="Uigh" typeface="Microsoft Uighur"/>
+        <a:font script="Geor" typeface="Sylfaen"/>
+      </a:minorFont>
+    </a:fontScheme>
+    <a:fmtScheme name="Office">
+      <a:fillStyleLst>
+        <a:solidFill>
+          <a:schemeClr val="phClr"/>
+        </a:solidFill>
+        <a:gradFill rotWithShape="1">
+          <a:gsLst>
+            <a:gs pos="0">
+              <a:schemeClr val="phClr">
+                <a:tint val="50000"/>
+                <a:satMod val="300000"/>
+              </a:schemeClr>
+            </a:gs>
+            <a:gs pos="35000">
+              <a:schemeClr val="phClr">
+                <a:tint val="37000"/>
+                <a:satMod val="300000"/>
+              </a:schemeClr>
+            </a:gs>
+            <a:gs pos="100000">
+              <a:schemeClr val="phClr">
+                <a:tint val="15000"/>
+                <a:satMod val="350000"/>
+              </a:schemeClr>
+            </a:gs>
+          </a:gsLst>
+          <a:lin ang="16200000" scaled="1"/>
+        </a:gradFill>
+        <a:gradFill rotWithShape="1">
+          <a:gsLst>
+            <a:gs pos="0">
+              <a:schemeClr val="phClr">
+                <a:shade val="51000"/>
+                <a:satMod val="130000"/>
+              </a:schemeClr>
+            </a:gs>
+            <a:gs pos="80000">
+              <a:schemeClr val="phClr">
+                <a:shade val="93000"/>
+                <a:satMod val="130000"/>
+              </a:schemeClr>
+            </a:gs>
+            <a:gs pos="100000">
+              <a:schemeClr val="phClr">
+                <a:shade val="94000"/>
+                <a:satMod val="135000"/>
+              </a:schemeClr>
+            </a:gs>
+          </a:gsLst>
+          <a:lin ang="16200000" scaled="0"/>
+        </a:gradFill>
+      </a:fillStyleLst>
+      <a:lnStyleLst>
+        <a:ln w="9525" cap="flat" cmpd="sng" algn="ctr">
+          <a:solidFill>
+            <a:schemeClr val="phClr">
+              <a:shade val="95000"/>
+              <a:satMod val="105000"/>
+            </a:schemeClr>
+          </a:solidFill>
+          <a:prstDash val="solid"/>
+        </a:ln>
+        <a:ln w="25400" cap="flat" cmpd="sng" algn="ctr">
+          <a:solidFill>
+            <a:schemeClr val="phClr"/>
+          </a:solidFill>
+          <a:prstDash val="solid"/>
+        </a:ln>
+        <a:ln w="38100" cap="flat" cmpd="sng" algn="ctr">
+          <a:solidFill>
+            <a:schemeClr val="phClr"/>
+          </a:solidFill>
+          <a:prstDash val="solid"/>
+        </a:ln>
+      </a:lnStyleLst>
+      <a:effectStyleLst>
+        <a:effectStyle>
+          <a:effectLst>
+            <a:outerShdw blurRad="40000" dist="20000" dir="5400000" rotWithShape="0">
+              <a:srgbClr val="000000">
+                <a:alpha val="38000"/>
+              </a:srgbClr>
+            </a:outerShdw>
+          </a:effectLst>
+        </a:effectStyle>
+        <a:effectStyle>
+          <a:effectLst>
+            <a:outerShdw blurRad="40000" dist="23000" dir="5400000" rotWithShape="0">
+              <a:srgbClr val="000000">
+                <a:alpha val="35000"/>
+              </a:srgbClr>
+            </a:outerShdw>
+          </a:effectLst>
+        </a:effectStyle>
+        <a:effectStyle>
+          <a:effectLst>
+            <a:outerShdw blurRad="40000" dist="23000" dir="5400000" rotWithShape="0">
+              <a:srgbClr val="000000">
+                <a:alpha val="35000"/>
+              </a:srgbClr>
+            </a:outerShdw>
+          </a:effectLst>
+          <a:scene3d>
+            <a:camera prst="orthographicFront">
+              <a:rot lat="0" lon="0" rev="0"/>
+            </a:camera>
+            <a:lightRig rig="threePt" dir="t">
+              <a:rot lat="0" lon="0" rev="1200000"/>
+            </a:lightRig>
+          </a:scene3d>
+          <a:sp3d>
+            <a:bevelT w="63500" h="25400"/>
+          </a:sp3d>
+        </a:effectStyle>
+      </a:effectStyleLst>
+      <a:bgFillStyleLst>
+        <a:solidFill>
+          <a:schemeClr val="phClr"/>
+        </a:solidFill>
+        <a:gradFill rotWithShape="1">
+          <a:gsLst>
+            <a:gs pos="0">
+              <a:schemeClr val="phClr">
+                <a:tint val="40000"/>
+                <a:satMod val="350000"/>
+              </a:schemeClr>
+            </a:gs>
+            <a:gs pos="40000">
+              <a:schemeClr val="phClr">
+                <a:tint val="45000"/>
+                <a:shade val="99000"/>
+                <a:satMod val="350000"/>
+              </a:schemeClr>
+            </a:gs>
+            <a:gs pos="100000">
+              <a:schemeClr val="phClr">
+                <a:shade val="20000"/>
+                <a:satMod val="255000"/>
+              </a:schemeClr>
+            </a:gs>
+          </a:gsLst>
+          <a:path path="circle">
+            <a:fillToRect l="50000" t="-80000" r="50000" b="180000"/>
+          </a:path>
+        </a:gradFill>
+        <a:gradFill rotWithShape="1">
+          <a:gsLst>
+            <a:gs pos="0">
+              <a:schemeClr val="phClr">
+                <a:tint val="80000"/>
+                <a:satMod val="300000"/>
+              </a:schemeClr>
+            </a:gs>
+            <a:gs pos="100000">
+              <a:schemeClr val="phClr">
+                <a:shade val="30000"/>
+                <a:satMod val="200000"/>
+              </a:schemeClr>
+            </a:gs>
+          </a:gsLst>
+          <a:path path="circle">
+            <a:fillToRect l="50000" t="50000" r="50000" b="50000"/>
+          </a:path>
+        </a:gradFill>
+      </a:bgFillStyleLst>
+    </a:fmtScheme>
+  </a:themeElements>
+  <a:objectDefaults/>
+  <a:extraClrSchemeLst/>
+</a:theme>
 </file>
--- a/capstone-presentation.pptx
+++ b/capstone-presentation.pptx
@@ -5,15 +5,17 @@
     <p:sldMasterId id="2147483648" r:id="rId1"/>
   </p:sldMasterIdLst>
   <p:notesMasterIdLst>
-    <p:notesMasterId r:id="rId8"/>
+    <p:notesMasterId r:id="rId10"/>
   </p:notesMasterIdLst>
   <p:sldIdLst>
     <p:sldId id="256" r:id="rId2"/>
     <p:sldId id="260" r:id="rId3"/>
     <p:sldId id="257" r:id="rId4"/>
     <p:sldId id="259" r:id="rId5"/>
-    <p:sldId id="258" r:id="rId6"/>
-    <p:sldId id="261" r:id="rId7"/>
+    <p:sldId id="262" r:id="rId6"/>
+    <p:sldId id="263" r:id="rId7"/>
+    <p:sldId id="258" r:id="rId8"/>
+    <p:sldId id="261" r:id="rId9"/>
   </p:sldIdLst>
   <p:sldSz cx="9144000" cy="6858000" type="screen4x3"/>
   <p:notesSz cx="6858000" cy="9144000"/>
@@ -7212,6 +7214,781 @@
       </p:grpSpPr>
       <p:grpSp>
         <p:nvGrpSpPr>
+          <p:cNvPr id="16" name="Group 15"/>
+          <p:cNvGrpSpPr/>
+          <p:nvPr/>
+        </p:nvGrpSpPr>
+        <p:grpSpPr>
+          <a:xfrm>
+            <a:off x="1269108" y="5376456"/>
+            <a:ext cx="1344602" cy="1344602"/>
+            <a:chOff x="4491567" y="3162300"/>
+            <a:chExt cx="2971800" cy="2971800"/>
+          </a:xfrm>
+        </p:grpSpPr>
+        <p:sp>
+          <p:nvSpPr>
+            <p:cNvPr id="13" name="Oval 12"/>
+            <p:cNvSpPr/>
+            <p:nvPr/>
+          </p:nvSpPr>
+          <p:spPr>
+            <a:xfrm>
+              <a:off x="4491567" y="3162300"/>
+              <a:ext cx="2971800" cy="2971800"/>
+            </a:xfrm>
+            <a:prstGeom prst="ellipse">
+              <a:avLst/>
+            </a:prstGeom>
+            <a:solidFill>
+              <a:srgbClr val="343046">
+                <a:alpha val="98000"/>
+              </a:srgbClr>
+            </a:solidFill>
+            <a:ln>
+              <a:noFill/>
+            </a:ln>
+          </p:spPr>
+          <p:style>
+            <a:lnRef idx="2">
+              <a:schemeClr val="accent1">
+                <a:shade val="50000"/>
+              </a:schemeClr>
+            </a:lnRef>
+            <a:fillRef idx="1">
+              <a:schemeClr val="accent1"/>
+            </a:fillRef>
+            <a:effectRef idx="0">
+              <a:schemeClr val="accent1"/>
+            </a:effectRef>
+            <a:fontRef idx="minor">
+              <a:schemeClr val="lt1"/>
+            </a:fontRef>
+          </p:style>
+          <p:txBody>
+            <a:bodyPr rtlCol="0" anchor="ctr"/>
+            <a:lstStyle/>
+            <a:p>
+              <a:pPr algn="ctr"/>
+              <a:endParaRPr lang="en-US"/>
+            </a:p>
+          </p:txBody>
+        </p:sp>
+        <p:sp>
+          <p:nvSpPr>
+            <p:cNvPr id="10" name="TextBox 9"/>
+            <p:cNvSpPr txBox="1"/>
+            <p:nvPr/>
+          </p:nvSpPr>
+          <p:spPr>
+            <a:xfrm>
+              <a:off x="5029200" y="4267199"/>
+              <a:ext cx="2057399" cy="1714316"/>
+            </a:xfrm>
+            <a:prstGeom prst="rect">
+              <a:avLst/>
+            </a:prstGeom>
+            <a:noFill/>
+          </p:spPr>
+          <p:txBody>
+            <a:bodyPr wrap="square" rtlCol="0">
+              <a:spAutoFit/>
+            </a:bodyPr>
+            <a:lstStyle/>
+            <a:p>
+              <a:pPr algn="ctr"/>
+              <a:r>
+                <a:rPr lang="en-US" sz="1400" dirty="0" smtClean="0">
+                  <a:effectLst>
+                    <a:glow rad="63500">
+                      <a:srgbClr val="343046"/>
+                    </a:glow>
+                    <a:reflection blurRad="6350" stA="55000" endA="300" endPos="45500" dir="5400000" sy="-100000" algn="bl" rotWithShape="0"/>
+                  </a:effectLst>
+                </a:rPr>
+                <a:t>Control</a:t>
+              </a:r>
+              <a:endParaRPr lang="en-US" sz="1400" dirty="0">
+                <a:effectLst>
+                  <a:glow rad="63500">
+                    <a:srgbClr val="343046"/>
+                  </a:glow>
+                  <a:reflection blurRad="6350" stA="55000" endA="300" endPos="45500" dir="5400000" sy="-100000" algn="bl" rotWithShape="0"/>
+                </a:effectLst>
+              </a:endParaRPr>
+            </a:p>
+          </p:txBody>
+        </p:sp>
+      </p:grpSp>
+      <p:sp>
+        <p:nvSpPr>
+          <p:cNvPr id="12" name="Oval 11"/>
+          <p:cNvSpPr/>
+          <p:nvPr/>
+        </p:nvSpPr>
+        <p:spPr>
+          <a:xfrm>
+            <a:off x="658099" y="4635201"/>
+            <a:ext cx="1344602" cy="1344602"/>
+          </a:xfrm>
+          <a:prstGeom prst="ellipse">
+            <a:avLst/>
+          </a:prstGeom>
+          <a:solidFill>
+            <a:srgbClr val="322F45">
+              <a:alpha val="98000"/>
+            </a:srgbClr>
+          </a:solidFill>
+          <a:ln>
+            <a:noFill/>
+          </a:ln>
+        </p:spPr>
+        <p:style>
+          <a:lnRef idx="2">
+            <a:schemeClr val="accent1">
+              <a:shade val="50000"/>
+            </a:schemeClr>
+          </a:lnRef>
+          <a:fillRef idx="1">
+            <a:schemeClr val="accent1"/>
+          </a:fillRef>
+          <a:effectRef idx="0">
+            <a:schemeClr val="accent1"/>
+          </a:effectRef>
+          <a:fontRef idx="minor">
+            <a:schemeClr val="lt1"/>
+          </a:fontRef>
+        </p:style>
+        <p:txBody>
+          <a:bodyPr rtlCol="0" anchor="ctr"/>
+          <a:lstStyle/>
+          <a:p>
+            <a:pPr algn="ctr"/>
+            <a:endParaRPr lang="en-US"/>
+          </a:p>
+        </p:txBody>
+      </p:sp>
+      <p:sp>
+        <p:nvSpPr>
+          <p:cNvPr id="7" name="TextBox 6"/>
+          <p:cNvSpPr txBox="1"/>
+          <p:nvPr/>
+        </p:nvSpPr>
+        <p:spPr>
+          <a:xfrm>
+            <a:off x="821865" y="5104054"/>
+            <a:ext cx="1040056" cy="338554"/>
+          </a:xfrm>
+          <a:prstGeom prst="rect">
+            <a:avLst/>
+          </a:prstGeom>
+          <a:noFill/>
+        </p:spPr>
+        <p:txBody>
+          <a:bodyPr wrap="square" rtlCol="0">
+            <a:spAutoFit/>
+          </a:bodyPr>
+          <a:lstStyle/>
+          <a:p>
+            <a:pPr algn="ctr"/>
+            <a:r>
+              <a:rPr lang="en-US" sz="1600" dirty="0" smtClean="0">
+                <a:effectLst>
+                  <a:glow rad="25400">
+                    <a:srgbClr val="505178"/>
+                  </a:glow>
+                  <a:reflection blurRad="6350" stA="55000" endA="300" endPos="45500" dir="5400000" sy="-100000" algn="bl" rotWithShape="0"/>
+                </a:effectLst>
+              </a:rPr>
+              <a:t>Education</a:t>
+            </a:r>
+            <a:endParaRPr lang="en-US" sz="1600" dirty="0">
+              <a:effectLst>
+                <a:glow rad="25400">
+                  <a:srgbClr val="505178"/>
+                </a:glow>
+                <a:reflection blurRad="6350" stA="55000" endA="300" endPos="45500" dir="5400000" sy="-100000" algn="bl" rotWithShape="0"/>
+              </a:effectLst>
+            </a:endParaRPr>
+          </a:p>
+        </p:txBody>
+      </p:sp>
+      <p:grpSp>
+        <p:nvGrpSpPr>
+          <p:cNvPr id="3" name="Group 2"/>
+          <p:cNvGrpSpPr/>
+          <p:nvPr/>
+        </p:nvGrpSpPr>
+        <p:grpSpPr>
+          <a:xfrm>
+            <a:off x="116044" y="5424341"/>
+            <a:ext cx="1344602" cy="1344602"/>
+            <a:chOff x="116044" y="5424341"/>
+            <a:chExt cx="1344602" cy="1344602"/>
+          </a:xfrm>
+        </p:grpSpPr>
+        <p:sp>
+          <p:nvSpPr>
+            <p:cNvPr id="5" name="Oval 4"/>
+            <p:cNvSpPr/>
+            <p:nvPr/>
+          </p:nvSpPr>
+          <p:spPr>
+            <a:xfrm>
+              <a:off x="116044" y="5424341"/>
+              <a:ext cx="1344602" cy="1344602"/>
+            </a:xfrm>
+            <a:prstGeom prst="ellipse">
+              <a:avLst/>
+            </a:prstGeom>
+            <a:solidFill>
+              <a:srgbClr val="111119">
+                <a:alpha val="98000"/>
+              </a:srgbClr>
+            </a:solidFill>
+            <a:ln>
+              <a:noFill/>
+            </a:ln>
+          </p:spPr>
+          <p:style>
+            <a:lnRef idx="2">
+              <a:schemeClr val="accent1">
+                <a:shade val="50000"/>
+              </a:schemeClr>
+            </a:lnRef>
+            <a:fillRef idx="1">
+              <a:schemeClr val="accent1"/>
+            </a:fillRef>
+            <a:effectRef idx="0">
+              <a:schemeClr val="accent1"/>
+            </a:effectRef>
+            <a:fontRef idx="minor">
+              <a:schemeClr val="lt1"/>
+            </a:fontRef>
+          </p:style>
+          <p:txBody>
+            <a:bodyPr rtlCol="0" anchor="ctr"/>
+            <a:lstStyle/>
+            <a:p>
+              <a:pPr algn="ctr"/>
+              <a:endParaRPr lang="en-US"/>
+            </a:p>
+          </p:txBody>
+        </p:sp>
+        <p:sp>
+          <p:nvSpPr>
+            <p:cNvPr id="9" name="TextBox 8"/>
+            <p:cNvSpPr txBox="1"/>
+            <p:nvPr/>
+          </p:nvSpPr>
+          <p:spPr>
+            <a:xfrm>
+              <a:off x="340145" y="5900856"/>
+              <a:ext cx="930878" cy="307777"/>
+            </a:xfrm>
+            <a:prstGeom prst="rect">
+              <a:avLst/>
+            </a:prstGeom>
+            <a:noFill/>
+            <a:effectLst>
+              <a:glow rad="63500">
+                <a:srgbClr val="505178">
+                  <a:alpha val="5000"/>
+                </a:srgbClr>
+              </a:glow>
+            </a:effectLst>
+          </p:spPr>
+          <p:txBody>
+            <a:bodyPr wrap="square" rtlCol="0">
+              <a:spAutoFit/>
+            </a:bodyPr>
+            <a:lstStyle/>
+            <a:p>
+              <a:pPr algn="ctr"/>
+              <a:r>
+                <a:rPr lang="en-US" sz="1400" dirty="0" smtClean="0">
+                  <a:effectLst>
+                    <a:glow rad="63500">
+                      <a:srgbClr val="322F45">
+                        <a:alpha val="81000"/>
+                      </a:srgbClr>
+                    </a:glow>
+                    <a:reflection blurRad="6350" stA="55000" endA="300" endPos="45500" dir="5400000" sy="-100000" algn="bl" rotWithShape="0"/>
+                  </a:effectLst>
+                </a:rPr>
+                <a:t>Design</a:t>
+              </a:r>
+              <a:endParaRPr lang="en-US" sz="1400" dirty="0">
+                <a:effectLst>
+                  <a:glow rad="63500">
+                    <a:srgbClr val="322F45">
+                      <a:alpha val="81000"/>
+                    </a:srgbClr>
+                  </a:glow>
+                  <a:reflection blurRad="6350" stA="55000" endA="300" endPos="45500" dir="5400000" sy="-100000" algn="bl" rotWithShape="0"/>
+                </a:effectLst>
+              </a:endParaRPr>
+            </a:p>
+          </p:txBody>
+        </p:sp>
+      </p:grpSp>
+      <p:sp>
+        <p:nvSpPr>
+          <p:cNvPr id="2" name="Title 1"/>
+          <p:cNvSpPr>
+            <a:spLocks noGrp="1"/>
+          </p:cNvSpPr>
+          <p:nvPr>
+            <p:ph type="title"/>
+          </p:nvPr>
+        </p:nvSpPr>
+        <p:spPr>
+          <a:xfrm>
+            <a:off x="255836" y="5330907"/>
+            <a:ext cx="2188842" cy="717850"/>
+          </a:xfrm>
+        </p:spPr>
+        <p:txBody>
+          <a:bodyPr>
+            <a:normAutofit fontScale="90000"/>
+          </a:bodyPr>
+          <a:lstStyle/>
+          <a:p>
+            <a:r>
+              <a:rPr lang="en-US" sz="3200" dirty="0" smtClean="0">
+                <a:solidFill>
+                  <a:schemeClr val="bg1"/>
+                </a:solidFill>
+              </a:rPr>
+              <a:t>Applications</a:t>
+            </a:r>
+            <a:endParaRPr lang="en-US" sz="3200" dirty="0">
+              <a:solidFill>
+                <a:schemeClr val="bg1"/>
+              </a:solidFill>
+            </a:endParaRPr>
+          </a:p>
+        </p:txBody>
+      </p:sp>
+    </p:spTree>
+    <p:extLst>
+      <p:ext uri="{BB962C8B-B14F-4D97-AF65-F5344CB8AC3E}">
+        <p14:creationId xmlns:p14="http://schemas.microsoft.com/office/powerpoint/2010/main" val="2672324722"/>
+      </p:ext>
+    </p:extLst>
+  </p:cSld>
+  <p:clrMapOvr>
+    <a:masterClrMapping/>
+  </p:clrMapOvr>
+  <p:timing>
+    <p:tnLst>
+      <p:par>
+        <p:cTn id="1" dur="indefinite" restart="never" nodeType="tmRoot"/>
+      </p:par>
+    </p:tnLst>
+  </p:timing>
+</p:sld>
+</file>
+
+<file path=ppt/slides/slide6.xml><?xml version="1.0" encoding="utf-8"?>
+<p:sld xmlns:a="http://schemas.openxmlformats.org/drawingml/2006/main" xmlns:r="http://schemas.openxmlformats.org/officeDocument/2006/relationships" xmlns:p="http://schemas.openxmlformats.org/presentationml/2006/main">
+  <p:cSld>
+    <p:spTree>
+      <p:nvGrpSpPr>
+        <p:cNvPr id="1" name=""/>
+        <p:cNvGrpSpPr/>
+        <p:nvPr/>
+      </p:nvGrpSpPr>
+      <p:grpSpPr>
+        <a:xfrm>
+          <a:off x="0" y="0"/>
+          <a:ext cx="0" cy="0"/>
+          <a:chOff x="0" y="0"/>
+          <a:chExt cx="0" cy="0"/>
+        </a:xfrm>
+      </p:grpSpPr>
+      <p:sp>
+        <p:nvSpPr>
+          <p:cNvPr id="12" name="Oval 11"/>
+          <p:cNvSpPr/>
+          <p:nvPr/>
+        </p:nvSpPr>
+        <p:spPr>
+          <a:xfrm>
+            <a:off x="658099" y="4635201"/>
+            <a:ext cx="1344602" cy="1344602"/>
+          </a:xfrm>
+          <a:prstGeom prst="ellipse">
+            <a:avLst/>
+          </a:prstGeom>
+          <a:solidFill>
+            <a:srgbClr val="322F45">
+              <a:alpha val="98000"/>
+            </a:srgbClr>
+          </a:solidFill>
+          <a:ln>
+            <a:noFill/>
+          </a:ln>
+        </p:spPr>
+        <p:style>
+          <a:lnRef idx="2">
+            <a:schemeClr val="accent1">
+              <a:shade val="50000"/>
+            </a:schemeClr>
+          </a:lnRef>
+          <a:fillRef idx="1">
+            <a:schemeClr val="accent1"/>
+          </a:fillRef>
+          <a:effectRef idx="0">
+            <a:schemeClr val="accent1"/>
+          </a:effectRef>
+          <a:fontRef idx="minor">
+            <a:schemeClr val="lt1"/>
+          </a:fontRef>
+        </p:style>
+        <p:txBody>
+          <a:bodyPr rtlCol="0" anchor="ctr"/>
+          <a:lstStyle/>
+          <a:p>
+            <a:pPr algn="ctr"/>
+            <a:endParaRPr lang="en-US"/>
+          </a:p>
+        </p:txBody>
+      </p:sp>
+      <p:sp>
+        <p:nvSpPr>
+          <p:cNvPr id="7" name="TextBox 6"/>
+          <p:cNvSpPr txBox="1"/>
+          <p:nvPr/>
+        </p:nvSpPr>
+        <p:spPr>
+          <a:xfrm>
+            <a:off x="821865" y="5104054"/>
+            <a:ext cx="1040056" cy="338554"/>
+          </a:xfrm>
+          <a:prstGeom prst="rect">
+            <a:avLst/>
+          </a:prstGeom>
+          <a:noFill/>
+        </p:spPr>
+        <p:txBody>
+          <a:bodyPr wrap="square" rtlCol="0">
+            <a:spAutoFit/>
+          </a:bodyPr>
+          <a:lstStyle/>
+          <a:p>
+            <a:pPr algn="ctr"/>
+            <a:r>
+              <a:rPr lang="en-US" sz="1600" dirty="0" smtClean="0">
+                <a:effectLst>
+                  <a:glow rad="25400">
+                    <a:srgbClr val="505178"/>
+                  </a:glow>
+                  <a:reflection blurRad="6350" stA="55000" endA="300" endPos="45500" dir="5400000" sy="-100000" algn="bl" rotWithShape="0"/>
+                </a:effectLst>
+              </a:rPr>
+              <a:t>Education</a:t>
+            </a:r>
+            <a:endParaRPr lang="en-US" sz="1600" dirty="0">
+              <a:effectLst>
+                <a:glow rad="25400">
+                  <a:srgbClr val="505178"/>
+                </a:glow>
+                <a:reflection blurRad="6350" stA="55000" endA="300" endPos="45500" dir="5400000" sy="-100000" algn="bl" rotWithShape="0"/>
+              </a:effectLst>
+            </a:endParaRPr>
+          </a:p>
+        </p:txBody>
+      </p:sp>
+      <p:sp>
+        <p:nvSpPr>
+          <p:cNvPr id="5" name="Oval 4"/>
+          <p:cNvSpPr/>
+          <p:nvPr/>
+        </p:nvSpPr>
+        <p:spPr>
+          <a:xfrm>
+            <a:off x="116044" y="5424341"/>
+            <a:ext cx="1344602" cy="1344602"/>
+          </a:xfrm>
+          <a:prstGeom prst="ellipse">
+            <a:avLst/>
+          </a:prstGeom>
+          <a:solidFill>
+            <a:srgbClr val="343046">
+              <a:alpha val="98000"/>
+            </a:srgbClr>
+          </a:solidFill>
+          <a:ln>
+            <a:noFill/>
+          </a:ln>
+        </p:spPr>
+        <p:style>
+          <a:lnRef idx="2">
+            <a:schemeClr val="accent1">
+              <a:shade val="50000"/>
+            </a:schemeClr>
+          </a:lnRef>
+          <a:fillRef idx="1">
+            <a:schemeClr val="accent1"/>
+          </a:fillRef>
+          <a:effectRef idx="0">
+            <a:schemeClr val="accent1"/>
+          </a:effectRef>
+          <a:fontRef idx="minor">
+            <a:schemeClr val="lt1"/>
+          </a:fontRef>
+        </p:style>
+        <p:txBody>
+          <a:bodyPr rtlCol="0" anchor="ctr"/>
+          <a:lstStyle/>
+          <a:p>
+            <a:pPr algn="ctr"/>
+            <a:endParaRPr lang="en-US"/>
+          </a:p>
+        </p:txBody>
+      </p:sp>
+      <p:sp>
+        <p:nvSpPr>
+          <p:cNvPr id="9" name="TextBox 8"/>
+          <p:cNvSpPr txBox="1"/>
+          <p:nvPr/>
+        </p:nvSpPr>
+        <p:spPr>
+          <a:xfrm>
+            <a:off x="340145" y="5900856"/>
+            <a:ext cx="930878" cy="307777"/>
+          </a:xfrm>
+          <a:prstGeom prst="rect">
+            <a:avLst/>
+          </a:prstGeom>
+          <a:noFill/>
+          <a:effectLst>
+            <a:glow rad="63500">
+              <a:srgbClr val="505178">
+                <a:alpha val="5000"/>
+              </a:srgbClr>
+            </a:glow>
+          </a:effectLst>
+        </p:spPr>
+        <p:txBody>
+          <a:bodyPr wrap="square" rtlCol="0">
+            <a:spAutoFit/>
+          </a:bodyPr>
+          <a:lstStyle/>
+          <a:p>
+            <a:pPr algn="ctr"/>
+            <a:r>
+              <a:rPr lang="en-US" sz="1400" dirty="0" smtClean="0">
+                <a:effectLst>
+                  <a:glow rad="63500">
+                    <a:srgbClr val="322F45">
+                      <a:alpha val="81000"/>
+                    </a:srgbClr>
+                  </a:glow>
+                  <a:reflection blurRad="6350" stA="55000" endA="300" endPos="45500" dir="5400000" sy="-100000" algn="bl" rotWithShape="0"/>
+                </a:effectLst>
+              </a:rPr>
+              <a:t>Design</a:t>
+            </a:r>
+            <a:endParaRPr lang="en-US" sz="1400" dirty="0">
+              <a:effectLst>
+                <a:glow rad="63500">
+                  <a:srgbClr val="322F45">
+                    <a:alpha val="81000"/>
+                  </a:srgbClr>
+                </a:glow>
+                <a:reflection blurRad="6350" stA="55000" endA="300" endPos="45500" dir="5400000" sy="-100000" algn="bl" rotWithShape="0"/>
+              </a:effectLst>
+            </a:endParaRPr>
+          </a:p>
+        </p:txBody>
+      </p:sp>
+      <p:grpSp>
+        <p:nvGrpSpPr>
+          <p:cNvPr id="4" name="Group 3"/>
+          <p:cNvGrpSpPr/>
+          <p:nvPr/>
+        </p:nvGrpSpPr>
+        <p:grpSpPr>
+          <a:xfrm>
+            <a:off x="1269108" y="5376456"/>
+            <a:ext cx="1344602" cy="1344602"/>
+            <a:chOff x="1269108" y="5376456"/>
+            <a:chExt cx="1344602" cy="1344602"/>
+          </a:xfrm>
+        </p:grpSpPr>
+        <p:sp>
+          <p:nvSpPr>
+            <p:cNvPr id="13" name="Oval 12"/>
+            <p:cNvSpPr/>
+            <p:nvPr/>
+          </p:nvSpPr>
+          <p:spPr>
+            <a:xfrm>
+              <a:off x="1269108" y="5376456"/>
+              <a:ext cx="1344602" cy="1344602"/>
+            </a:xfrm>
+            <a:prstGeom prst="ellipse">
+              <a:avLst/>
+            </a:prstGeom>
+            <a:solidFill>
+              <a:srgbClr val="111119">
+                <a:alpha val="98000"/>
+              </a:srgbClr>
+            </a:solidFill>
+            <a:ln>
+              <a:noFill/>
+            </a:ln>
+          </p:spPr>
+          <p:style>
+            <a:lnRef idx="2">
+              <a:schemeClr val="accent1">
+                <a:shade val="50000"/>
+              </a:schemeClr>
+            </a:lnRef>
+            <a:fillRef idx="1">
+              <a:schemeClr val="accent1"/>
+            </a:fillRef>
+            <a:effectRef idx="0">
+              <a:schemeClr val="accent1"/>
+            </a:effectRef>
+            <a:fontRef idx="minor">
+              <a:schemeClr val="lt1"/>
+            </a:fontRef>
+          </p:style>
+          <p:txBody>
+            <a:bodyPr rtlCol="0" anchor="ctr"/>
+            <a:lstStyle/>
+            <a:p>
+              <a:pPr algn="ctr"/>
+              <a:endParaRPr lang="en-US"/>
+            </a:p>
+          </p:txBody>
+        </p:sp>
+        <p:sp>
+          <p:nvSpPr>
+            <p:cNvPr id="10" name="TextBox 9"/>
+            <p:cNvSpPr txBox="1"/>
+            <p:nvPr/>
+          </p:nvSpPr>
+          <p:spPr>
+            <a:xfrm>
+              <a:off x="1512362" y="5876372"/>
+              <a:ext cx="930878" cy="775649"/>
+            </a:xfrm>
+            <a:prstGeom prst="rect">
+              <a:avLst/>
+            </a:prstGeom>
+            <a:noFill/>
+          </p:spPr>
+          <p:txBody>
+            <a:bodyPr wrap="square" rtlCol="0">
+              <a:spAutoFit/>
+            </a:bodyPr>
+            <a:lstStyle/>
+            <a:p>
+              <a:pPr algn="ctr"/>
+              <a:r>
+                <a:rPr lang="en-US" sz="1400" dirty="0" smtClean="0">
+                  <a:effectLst>
+                    <a:glow rad="63500">
+                      <a:srgbClr val="343046"/>
+                    </a:glow>
+                    <a:reflection blurRad="6350" stA="55000" endA="300" endPos="45500" dir="5400000" sy="-100000" algn="bl" rotWithShape="0"/>
+                  </a:effectLst>
+                </a:rPr>
+                <a:t>Control</a:t>
+              </a:r>
+              <a:endParaRPr lang="en-US" sz="1400" dirty="0">
+                <a:effectLst>
+                  <a:glow rad="63500">
+                    <a:srgbClr val="343046"/>
+                  </a:glow>
+                  <a:reflection blurRad="6350" stA="55000" endA="300" endPos="45500" dir="5400000" sy="-100000" algn="bl" rotWithShape="0"/>
+                </a:effectLst>
+              </a:endParaRPr>
+            </a:p>
+          </p:txBody>
+        </p:sp>
+      </p:grpSp>
+      <p:sp>
+        <p:nvSpPr>
+          <p:cNvPr id="2" name="Title 1"/>
+          <p:cNvSpPr>
+            <a:spLocks noGrp="1"/>
+          </p:cNvSpPr>
+          <p:nvPr>
+            <p:ph type="title"/>
+          </p:nvPr>
+        </p:nvSpPr>
+        <p:spPr>
+          <a:xfrm>
+            <a:off x="255836" y="5330907"/>
+            <a:ext cx="2188842" cy="717850"/>
+          </a:xfrm>
+        </p:spPr>
+        <p:txBody>
+          <a:bodyPr>
+            <a:normAutofit fontScale="90000"/>
+          </a:bodyPr>
+          <a:lstStyle/>
+          <a:p>
+            <a:r>
+              <a:rPr lang="en-US" sz="3200" dirty="0" smtClean="0">
+                <a:solidFill>
+                  <a:schemeClr val="bg1"/>
+                </a:solidFill>
+              </a:rPr>
+              <a:t>Applications</a:t>
+            </a:r>
+            <a:endParaRPr lang="en-US" sz="3200" dirty="0">
+              <a:solidFill>
+                <a:schemeClr val="bg1"/>
+              </a:solidFill>
+            </a:endParaRPr>
+          </a:p>
+        </p:txBody>
+      </p:sp>
+    </p:spTree>
+    <p:extLst>
+      <p:ext uri="{BB962C8B-B14F-4D97-AF65-F5344CB8AC3E}">
+        <p14:creationId xmlns:p14="http://schemas.microsoft.com/office/powerpoint/2010/main" val="2730604455"/>
+      </p:ext>
+    </p:extLst>
+  </p:cSld>
+  <p:clrMapOvr>
+    <a:masterClrMapping/>
+  </p:clrMapOvr>
+  <p:timing>
+    <p:tnLst>
+      <p:par>
+        <p:cTn id="1" dur="indefinite" restart="never" nodeType="tmRoot"/>
+      </p:par>
+    </p:tnLst>
+  </p:timing>
+</p:sld>
+</file>
+
+<file path=ppt/slides/slide7.xml><?xml version="1.0" encoding="utf-8"?>
+<p:sld xmlns:a="http://schemas.openxmlformats.org/drawingml/2006/main" xmlns:r="http://schemas.openxmlformats.org/officeDocument/2006/relationships" xmlns:p="http://schemas.openxmlformats.org/presentationml/2006/main">
+  <p:cSld>
+    <p:spTree>
+      <p:nvGrpSpPr>
+        <p:cNvPr id="1" name=""/>
+        <p:cNvGrpSpPr/>
+        <p:nvPr/>
+      </p:nvGrpSpPr>
+      <p:grpSpPr>
+        <a:xfrm>
+          <a:off x="0" y="0"/>
+          <a:ext cx="0" cy="0"/>
+          <a:chOff x="0" y="0"/>
+          <a:chExt cx="0" cy="0"/>
+        </a:xfrm>
+      </p:grpSpPr>
+      <p:grpSp>
+        <p:nvGrpSpPr>
           <p:cNvPr id="3" name="Group 2"/>
           <p:cNvGrpSpPr/>
           <p:nvPr/>
@@ -7749,7 +8526,7 @@
 </p:sld>
 </file>
 
-<file path=ppt/slides/slide6.xml><?xml version="1.0" encoding="utf-8"?>
+<file path=ppt/slides/slide8.xml><?xml version="1.0" encoding="utf-8"?>
 <p:sld xmlns:a="http://schemas.openxmlformats.org/drawingml/2006/main" xmlns:r="http://schemas.openxmlformats.org/officeDocument/2006/relationships" xmlns:p="http://schemas.openxmlformats.org/presentationml/2006/main">
   <p:cSld>
     <p:spTree>

--- a/capstone-presentation.pptx
+++ b/capstone-presentation.pptx
@@ -5316,16 +5316,16 @@
       </p:sp>
       <p:grpSp>
         <p:nvGrpSpPr>
-          <p:cNvPr id="24" name="Group 23"/>
+          <p:cNvPr id="29" name="Group 28"/>
           <p:cNvGrpSpPr/>
           <p:nvPr/>
         </p:nvGrpSpPr>
         <p:grpSpPr>
           <a:xfrm>
-            <a:off x="1981200" y="2438400"/>
-            <a:ext cx="5181600" cy="2895600"/>
-            <a:chOff x="2158788" y="2743200"/>
-            <a:chExt cx="5181600" cy="2895600"/>
+            <a:off x="2015067" y="2438400"/>
+            <a:ext cx="3315969" cy="2895600"/>
+            <a:chOff x="2015067" y="2438400"/>
+            <a:chExt cx="3315969" cy="2895600"/>
           </a:xfrm>
         </p:grpSpPr>
         <p:cxnSp>
@@ -5336,7 +5336,7 @@
           </p:nvCxnSpPr>
           <p:spPr>
             <a:xfrm flipH="1">
-              <a:off x="2717801" y="2743200"/>
+              <a:off x="2540213" y="2438400"/>
               <a:ext cx="2093381" cy="1820333"/>
             </a:xfrm>
             <a:prstGeom prst="straightConnector1">
@@ -5371,7 +5371,7 @@
           </p:nvCxnSpPr>
           <p:spPr>
             <a:xfrm flipH="1">
-              <a:off x="2192655" y="3886200"/>
+              <a:off x="2015067" y="3581400"/>
               <a:ext cx="2015490" cy="1752600"/>
             </a:xfrm>
             <a:prstGeom prst="straightConnector1">
@@ -5406,7 +5406,7 @@
           </p:nvCxnSpPr>
           <p:spPr>
             <a:xfrm flipH="1">
-              <a:off x="3756024" y="3352800"/>
+              <a:off x="3578436" y="3048000"/>
               <a:ext cx="1752600" cy="1524000"/>
             </a:xfrm>
             <a:prstGeom prst="straightConnector1">
@@ -5433,136 +5433,136 @@
             </a:fontRef>
           </p:style>
         </p:cxnSp>
-        <p:grpSp>
-          <p:nvGrpSpPr>
-            <p:cNvPr id="23" name="Group 22"/>
-            <p:cNvGrpSpPr/>
+      </p:grpSp>
+      <p:grpSp>
+        <p:nvGrpSpPr>
+          <p:cNvPr id="23" name="Group 22"/>
+          <p:cNvGrpSpPr/>
+          <p:nvPr/>
+        </p:nvGrpSpPr>
+        <p:grpSpPr>
+          <a:xfrm>
+            <a:off x="1981200" y="3246647"/>
+            <a:ext cx="5181600" cy="1779990"/>
+            <a:chOff x="2819400" y="3472921"/>
+            <a:chExt cx="3276600" cy="1125582"/>
+          </a:xfrm>
+        </p:grpSpPr>
+        <p:cxnSp>
+          <p:nvCxnSpPr>
+            <p:cNvPr id="17" name="Straight Arrow Connector 16"/>
+            <p:cNvCxnSpPr/>
             <p:nvPr/>
-          </p:nvGrpSpPr>
-          <p:grpSpPr>
+          </p:nvCxnSpPr>
+          <p:spPr>
             <a:xfrm>
-              <a:off x="2158788" y="3551447"/>
-              <a:ext cx="5181600" cy="1779990"/>
-              <a:chOff x="2819400" y="3472921"/>
-              <a:chExt cx="3276600" cy="1125582"/>
+              <a:off x="2819400" y="3505200"/>
+              <a:ext cx="3276600" cy="0"/>
             </a:xfrm>
-          </p:grpSpPr>
-          <p:cxnSp>
-            <p:nvCxnSpPr>
-              <p:cNvPr id="17" name="Straight Arrow Connector 16"/>
-              <p:cNvCxnSpPr/>
-              <p:nvPr/>
-            </p:nvCxnSpPr>
-            <p:spPr>
-              <a:xfrm>
-                <a:off x="2819400" y="3505200"/>
-                <a:ext cx="3276600" cy="0"/>
-              </a:xfrm>
-              <a:prstGeom prst="straightConnector1">
-                <a:avLst/>
-              </a:prstGeom>
-              <a:ln>
-                <a:headEnd type="triangle"/>
-                <a:tailEnd type="triangle"/>
-              </a:ln>
-            </p:spPr>
-            <p:style>
-              <a:lnRef idx="1">
-                <a:schemeClr val="accent1"/>
-              </a:lnRef>
-              <a:fillRef idx="0">
-                <a:schemeClr val="accent1"/>
-              </a:fillRef>
-              <a:effectRef idx="0">
-                <a:schemeClr val="accent1"/>
-              </a:effectRef>
-              <a:fontRef idx="minor">
-                <a:schemeClr val="tx1"/>
-              </a:fontRef>
-            </p:style>
-          </p:cxnSp>
-          <p:sp>
-            <p:nvSpPr>
-              <p:cNvPr id="18" name="Oval 17"/>
-              <p:cNvSpPr/>
-              <p:nvPr/>
-            </p:nvSpPr>
-            <p:spPr>
-              <a:xfrm flipV="1">
-                <a:off x="4425421" y="3472921"/>
-                <a:ext cx="64558" cy="64558"/>
-              </a:xfrm>
-              <a:prstGeom prst="ellipse">
-                <a:avLst/>
-              </a:prstGeom>
-              <a:solidFill>
-                <a:schemeClr val="accent1"/>
-              </a:solidFill>
-              <a:ln>
-                <a:noFill/>
-              </a:ln>
-            </p:spPr>
-            <p:style>
-              <a:lnRef idx="2">
-                <a:schemeClr val="accent1">
-                  <a:shade val="50000"/>
-                </a:schemeClr>
-              </a:lnRef>
-              <a:fillRef idx="1">
-                <a:schemeClr val="accent1"/>
-              </a:fillRef>
-              <a:effectRef idx="0">
-                <a:schemeClr val="accent1"/>
-              </a:effectRef>
-              <a:fontRef idx="minor">
-                <a:schemeClr val="lt1"/>
-              </a:fontRef>
-            </p:style>
-            <p:txBody>
-              <a:bodyPr rtlCol="0" anchor="ctr"/>
-              <a:lstStyle/>
-              <a:p>
-                <a:pPr algn="ctr"/>
-                <a:endParaRPr lang="en-US"/>
-              </a:p>
-            </p:txBody>
-          </p:sp>
-          <p:cxnSp>
-            <p:nvCxnSpPr>
-              <p:cNvPr id="21" name="Straight Arrow Connector 20"/>
-              <p:cNvCxnSpPr/>
-              <p:nvPr/>
-            </p:nvCxnSpPr>
-            <p:spPr>
-              <a:xfrm flipH="1">
-                <a:off x="3200400" y="3505199"/>
-                <a:ext cx="1257300" cy="1093304"/>
-              </a:xfrm>
-              <a:prstGeom prst="straightConnector1">
-                <a:avLst/>
-              </a:prstGeom>
-              <a:ln w="19050" cmpd="sng">
-                <a:prstDash val="solid"/>
-                <a:headEnd type="none"/>
-                <a:tailEnd type="triangle" w="med" len="med"/>
-              </a:ln>
-            </p:spPr>
-            <p:style>
-              <a:lnRef idx="1">
-                <a:schemeClr val="accent1"/>
-              </a:lnRef>
-              <a:fillRef idx="0">
-                <a:schemeClr val="accent1"/>
-              </a:fillRef>
-              <a:effectRef idx="0">
-                <a:schemeClr val="accent1"/>
-              </a:effectRef>
-              <a:fontRef idx="minor">
-                <a:schemeClr val="tx1"/>
-              </a:fontRef>
-            </p:style>
-          </p:cxnSp>
-        </p:grpSp>
+            <a:prstGeom prst="straightConnector1">
+              <a:avLst/>
+            </a:prstGeom>
+            <a:ln>
+              <a:headEnd type="triangle"/>
+              <a:tailEnd type="triangle"/>
+            </a:ln>
+          </p:spPr>
+          <p:style>
+            <a:lnRef idx="1">
+              <a:schemeClr val="accent1"/>
+            </a:lnRef>
+            <a:fillRef idx="0">
+              <a:schemeClr val="accent1"/>
+            </a:fillRef>
+            <a:effectRef idx="0">
+              <a:schemeClr val="accent1"/>
+            </a:effectRef>
+            <a:fontRef idx="minor">
+              <a:schemeClr val="tx1"/>
+            </a:fontRef>
+          </p:style>
+        </p:cxnSp>
+        <p:sp>
+          <p:nvSpPr>
+            <p:cNvPr id="18" name="Oval 17"/>
+            <p:cNvSpPr/>
+            <p:nvPr/>
+          </p:nvSpPr>
+          <p:spPr>
+            <a:xfrm flipV="1">
+              <a:off x="4425421" y="3472921"/>
+              <a:ext cx="64558" cy="64558"/>
+            </a:xfrm>
+            <a:prstGeom prst="ellipse">
+              <a:avLst/>
+            </a:prstGeom>
+            <a:solidFill>
+              <a:schemeClr val="accent1"/>
+            </a:solidFill>
+            <a:ln>
+              <a:noFill/>
+            </a:ln>
+          </p:spPr>
+          <p:style>
+            <a:lnRef idx="2">
+              <a:schemeClr val="accent1">
+                <a:shade val="50000"/>
+              </a:schemeClr>
+            </a:lnRef>
+            <a:fillRef idx="1">
+              <a:schemeClr val="accent1"/>
+            </a:fillRef>
+            <a:effectRef idx="0">
+              <a:schemeClr val="accent1"/>
+            </a:effectRef>
+            <a:fontRef idx="minor">
+              <a:schemeClr val="lt1"/>
+            </a:fontRef>
+          </p:style>
+          <p:txBody>
+            <a:bodyPr rtlCol="0" anchor="ctr"/>
+            <a:lstStyle/>
+            <a:p>
+              <a:pPr algn="ctr"/>
+              <a:endParaRPr lang="en-US"/>
+            </a:p>
+          </p:txBody>
+        </p:sp>
+        <p:cxnSp>
+          <p:nvCxnSpPr>
+            <p:cNvPr id="21" name="Straight Arrow Connector 20"/>
+            <p:cNvCxnSpPr/>
+            <p:nvPr/>
+          </p:nvCxnSpPr>
+          <p:spPr>
+            <a:xfrm flipH="1">
+              <a:off x="3200400" y="3505199"/>
+              <a:ext cx="1257300" cy="1093304"/>
+            </a:xfrm>
+            <a:prstGeom prst="straightConnector1">
+              <a:avLst/>
+            </a:prstGeom>
+            <a:ln w="19050" cmpd="sng">
+              <a:prstDash val="solid"/>
+              <a:headEnd type="none"/>
+              <a:tailEnd type="triangle" w="med" len="med"/>
+            </a:ln>
+          </p:spPr>
+          <p:style>
+            <a:lnRef idx="1">
+              <a:schemeClr val="accent1"/>
+            </a:lnRef>
+            <a:fillRef idx="0">
+              <a:schemeClr val="accent1"/>
+            </a:fillRef>
+            <a:effectRef idx="0">
+              <a:schemeClr val="accent1"/>
+            </a:effectRef>
+            <a:fontRef idx="minor">
+              <a:schemeClr val="tx1"/>
+            </a:fontRef>
+          </p:style>
+        </p:cxnSp>
       </p:grpSp>
       <p:sp>
         <p:nvSpPr>
@@ -5872,9 +5872,292 @@
   <p:timing>
     <p:tnLst>
       <p:par>
-        <p:cTn id="1" dur="indefinite" restart="never" nodeType="tmRoot"/>
+        <p:cTn id="1" dur="indefinite" restart="never" nodeType="tmRoot">
+          <p:childTnLst>
+            <p:seq concurrent="1" nextAc="seek">
+              <p:cTn id="2" dur="indefinite" nodeType="mainSeq">
+                <p:childTnLst>
+                  <p:par>
+                    <p:cTn id="3" fill="hold">
+                      <p:stCondLst>
+                        <p:cond delay="indefinite"/>
+                      </p:stCondLst>
+                      <p:childTnLst>
+                        <p:par>
+                          <p:cTn id="4" fill="hold">
+                            <p:stCondLst>
+                              <p:cond delay="0"/>
+                            </p:stCondLst>
+                            <p:childTnLst>
+                              <p:par>
+                                <p:cTn id="5" presetID="42" presetClass="path" presetSubtype="0" accel="50000" decel="50000" fill="hold" nodeType="clickEffect">
+                                  <p:stCondLst>
+                                    <p:cond delay="0"/>
+                                  </p:stCondLst>
+                                  <p:childTnLst>
+                                    <p:animMotion origin="layout" path="M 0.39167 -0.41111 L 5.55112E-17 1.11111E-6 " pathEditMode="relative" rAng="0" ptsTypes="AA">
+                                      <p:cBhvr>
+                                        <p:cTn id="6" dur="2000" fill="hold"/>
+                                        <p:tgtEl>
+                                          <p:spTgt spid="29"/>
+                                        </p:tgtEl>
+                                        <p:attrNameLst>
+                                          <p:attrName>ppt_x</p:attrName>
+                                          <p:attrName>ppt_y</p:attrName>
+                                        </p:attrNameLst>
+                                      </p:cBhvr>
+                                      <p:rCtr x="-19583" y="20556"/>
+                                    </p:animMotion>
+                                  </p:childTnLst>
+                                </p:cTn>
+                              </p:par>
+                              <p:par>
+                                <p:cTn id="7" presetID="10" presetClass="entr" presetSubtype="0" fill="hold" nodeType="withEffect">
+                                  <p:stCondLst>
+                                    <p:cond delay="0"/>
+                                  </p:stCondLst>
+                                  <p:childTnLst>
+                                    <p:set>
+                                      <p:cBhvr>
+                                        <p:cTn id="8" dur="1" fill="hold">
+                                          <p:stCondLst>
+                                            <p:cond delay="0"/>
+                                          </p:stCondLst>
+                                        </p:cTn>
+                                        <p:tgtEl>
+                                          <p:spTgt spid="29"/>
+                                        </p:tgtEl>
+                                        <p:attrNameLst>
+                                          <p:attrName>style.visibility</p:attrName>
+                                        </p:attrNameLst>
+                                      </p:cBhvr>
+                                      <p:to>
+                                        <p:strVal val="visible"/>
+                                      </p:to>
+                                    </p:set>
+                                    <p:animEffect transition="in" filter="fade">
+                                      <p:cBhvr>
+                                        <p:cTn id="9" dur="500"/>
+                                        <p:tgtEl>
+                                          <p:spTgt spid="29"/>
+                                        </p:tgtEl>
+                                      </p:cBhvr>
+                                    </p:animEffect>
+                                  </p:childTnLst>
+                                </p:cTn>
+                              </p:par>
+                            </p:childTnLst>
+                          </p:cTn>
+                        </p:par>
+                        <p:par>
+                          <p:cTn id="10" fill="hold">
+                            <p:stCondLst>
+                              <p:cond delay="2000"/>
+                            </p:stCondLst>
+                            <p:childTnLst>
+                              <p:par>
+                                <p:cTn id="11" presetID="10" presetClass="entr" presetSubtype="0" fill="hold" nodeType="afterEffect">
+                                  <p:stCondLst>
+                                    <p:cond delay="0"/>
+                                  </p:stCondLst>
+                                  <p:childTnLst>
+                                    <p:set>
+                                      <p:cBhvr>
+                                        <p:cTn id="12" dur="1" fill="hold">
+                                          <p:stCondLst>
+                                            <p:cond delay="0"/>
+                                          </p:stCondLst>
+                                        </p:cTn>
+                                        <p:tgtEl>
+                                          <p:spTgt spid="23"/>
+                                        </p:tgtEl>
+                                        <p:attrNameLst>
+                                          <p:attrName>style.visibility</p:attrName>
+                                        </p:attrNameLst>
+                                      </p:cBhvr>
+                                      <p:to>
+                                        <p:strVal val="visible"/>
+                                      </p:to>
+                                    </p:set>
+                                    <p:animEffect transition="in" filter="fade">
+                                      <p:cBhvr>
+                                        <p:cTn id="13" dur="500"/>
+                                        <p:tgtEl>
+                                          <p:spTgt spid="23"/>
+                                        </p:tgtEl>
+                                      </p:cBhvr>
+                                    </p:animEffect>
+                                  </p:childTnLst>
+                                </p:cTn>
+                              </p:par>
+                              <p:par>
+                                <p:cTn id="14" presetID="42" presetClass="path" presetSubtype="0" accel="50000" decel="50000" fill="hold" nodeType="withEffect">
+                                  <p:stCondLst>
+                                    <p:cond delay="0"/>
+                                  </p:stCondLst>
+                                  <p:childTnLst>
+                                    <p:animMotion origin="layout" path="M 0.35833 -0.42523 L -0.03333 -0.00301 " pathEditMode="relative" rAng="0" ptsTypes="AA">
+                                      <p:cBhvr>
+                                        <p:cTn id="15" dur="2000" fill="hold"/>
+                                        <p:tgtEl>
+                                          <p:spTgt spid="23"/>
+                                        </p:tgtEl>
+                                        <p:attrNameLst>
+                                          <p:attrName>ppt_x</p:attrName>
+                                          <p:attrName>ppt_y</p:attrName>
+                                        </p:attrNameLst>
+                                      </p:cBhvr>
+                                      <p:rCtr x="-19583" y="21111"/>
+                                    </p:animMotion>
+                                  </p:childTnLst>
+                                </p:cTn>
+                              </p:par>
+                            </p:childTnLst>
+                          </p:cTn>
+                        </p:par>
+                        <p:par>
+                          <p:cTn id="16" fill="hold">
+                            <p:stCondLst>
+                              <p:cond delay="4000"/>
+                            </p:stCondLst>
+                            <p:childTnLst>
+                              <p:par>
+                                <p:cTn id="17" presetID="10" presetClass="entr" presetSubtype="0" fill="hold" grpId="0" nodeType="afterEffect">
+                                  <p:stCondLst>
+                                    <p:cond delay="0"/>
+                                  </p:stCondLst>
+                                  <p:childTnLst>
+                                    <p:set>
+                                      <p:cBhvr>
+                                        <p:cTn id="18" dur="1" fill="hold">
+                                          <p:stCondLst>
+                                            <p:cond delay="0"/>
+                                          </p:stCondLst>
+                                        </p:cTn>
+                                        <p:tgtEl>
+                                          <p:spTgt spid="27"/>
+                                        </p:tgtEl>
+                                        <p:attrNameLst>
+                                          <p:attrName>style.visibility</p:attrName>
+                                        </p:attrNameLst>
+                                      </p:cBhvr>
+                                      <p:to>
+                                        <p:strVal val="visible"/>
+                                      </p:to>
+                                    </p:set>
+                                    <p:animEffect transition="in" filter="fade">
+                                      <p:cBhvr>
+                                        <p:cTn id="19" dur="500"/>
+                                        <p:tgtEl>
+                                          <p:spTgt spid="27"/>
+                                        </p:tgtEl>
+                                      </p:cBhvr>
+                                    </p:animEffect>
+                                  </p:childTnLst>
+                                </p:cTn>
+                              </p:par>
+                              <p:par>
+                                <p:cTn id="20" presetID="10" presetClass="entr" presetSubtype="0" fill="hold" grpId="0" nodeType="withEffect">
+                                  <p:stCondLst>
+                                    <p:cond delay="0"/>
+                                  </p:stCondLst>
+                                  <p:childTnLst>
+                                    <p:set>
+                                      <p:cBhvr>
+                                        <p:cTn id="21" dur="1" fill="hold">
+                                          <p:stCondLst>
+                                            <p:cond delay="0"/>
+                                          </p:stCondLst>
+                                        </p:cTn>
+                                        <p:tgtEl>
+                                          <p:spTgt spid="26"/>
+                                        </p:tgtEl>
+                                        <p:attrNameLst>
+                                          <p:attrName>style.visibility</p:attrName>
+                                        </p:attrNameLst>
+                                      </p:cBhvr>
+                                      <p:to>
+                                        <p:strVal val="visible"/>
+                                      </p:to>
+                                    </p:set>
+                                    <p:animEffect transition="in" filter="fade">
+                                      <p:cBhvr>
+                                        <p:cTn id="22" dur="500"/>
+                                        <p:tgtEl>
+                                          <p:spTgt spid="26"/>
+                                        </p:tgtEl>
+                                      </p:cBhvr>
+                                    </p:animEffect>
+                                  </p:childTnLst>
+                                </p:cTn>
+                              </p:par>
+                              <p:par>
+                                <p:cTn id="23" presetID="10" presetClass="entr" presetSubtype="0" fill="hold" grpId="0" nodeType="withEffect">
+                                  <p:stCondLst>
+                                    <p:cond delay="0"/>
+                                  </p:stCondLst>
+                                  <p:childTnLst>
+                                    <p:set>
+                                      <p:cBhvr>
+                                        <p:cTn id="24" dur="1" fill="hold">
+                                          <p:stCondLst>
+                                            <p:cond delay="0"/>
+                                          </p:stCondLst>
+                                        </p:cTn>
+                                        <p:tgtEl>
+                                          <p:spTgt spid="28"/>
+                                        </p:tgtEl>
+                                        <p:attrNameLst>
+                                          <p:attrName>style.visibility</p:attrName>
+                                        </p:attrNameLst>
+                                      </p:cBhvr>
+                                      <p:to>
+                                        <p:strVal val="visible"/>
+                                      </p:to>
+                                    </p:set>
+                                    <p:animEffect transition="in" filter="fade">
+                                      <p:cBhvr>
+                                        <p:cTn id="25" dur="500"/>
+                                        <p:tgtEl>
+                                          <p:spTgt spid="28"/>
+                                        </p:tgtEl>
+                                      </p:cBhvr>
+                                    </p:animEffect>
+                                  </p:childTnLst>
+                                </p:cTn>
+                              </p:par>
+                            </p:childTnLst>
+                          </p:cTn>
+                        </p:par>
+                      </p:childTnLst>
+                    </p:cTn>
+                  </p:par>
+                </p:childTnLst>
+              </p:cTn>
+              <p:prevCondLst>
+                <p:cond evt="onPrev" delay="0">
+                  <p:tgtEl>
+                    <p:sldTgt/>
+                  </p:tgtEl>
+                </p:cond>
+              </p:prevCondLst>
+              <p:nextCondLst>
+                <p:cond evt="onNext" delay="0">
+                  <p:tgtEl>
+                    <p:sldTgt/>
+                  </p:tgtEl>
+                </p:cond>
+              </p:nextCondLst>
+            </p:seq>
+          </p:childTnLst>
+        </p:cTn>
       </p:par>
     </p:tnLst>
+    <p:bldLst>
+      <p:bldP spid="26" grpId="0"/>
+      <p:bldP spid="27" grpId="0"/>
+      <p:bldP spid="28" grpId="0"/>
+    </p:bldLst>
   </p:timing>
 </p:sld>
 </file>
